--- a/React_Typescript_01.pptx
+++ b/React_Typescript_01.pptx
@@ -5,10 +5,10 @@
     <p:sldMasterId id="2147483658" r:id="rId4"/>
   </p:sldMasterIdLst>
   <p:notesMasterIdLst>
-    <p:notesMasterId r:id="rId20"/>
+    <p:notesMasterId r:id="rId12"/>
   </p:notesMasterIdLst>
   <p:handoutMasterIdLst>
-    <p:handoutMasterId r:id="rId21"/>
+    <p:handoutMasterId r:id="rId13"/>
   </p:handoutMasterIdLst>
   <p:sldIdLst>
     <p:sldId id="350" r:id="rId5"/>
@@ -16,16 +16,8 @@
     <p:sldId id="353" r:id="rId7"/>
     <p:sldId id="365" r:id="rId8"/>
     <p:sldId id="366" r:id="rId9"/>
-    <p:sldId id="361" r:id="rId10"/>
-    <p:sldId id="334" r:id="rId11"/>
-    <p:sldId id="354" r:id="rId12"/>
-    <p:sldId id="355" r:id="rId13"/>
-    <p:sldId id="356" r:id="rId14"/>
-    <p:sldId id="357" r:id="rId15"/>
-    <p:sldId id="362" r:id="rId16"/>
-    <p:sldId id="363" r:id="rId17"/>
-    <p:sldId id="364" r:id="rId18"/>
-    <p:sldId id="343" r:id="rId19"/>
+    <p:sldId id="367" r:id="rId10"/>
+    <p:sldId id="343" r:id="rId11"/>
   </p:sldIdLst>
   <p:sldSz cx="12192000" cy="6858000"/>
   <p:notesSz cx="6858000" cy="9144000"/>
@@ -370,7 +362,7 @@
           <a:p>
             <a:fld id="{6EE7A52F-9D89-7442-A8E9-48D1527B5F6B}" type="datetimeFigureOut">
               <a:rPr lang="en-US" smtClean="0"/>
-              <a:t>9/28/2021</a:t>
+              <a:t>9/29/2021</a:t>
             </a:fld>
             <a:endParaRPr lang="en-US" dirty="0"/>
           </a:p>
@@ -789,7 +781,7 @@
           <a:p>
             <a:fld id="{A89C7E07-3C67-C64C-8DA0-0404F6303970}" type="slidenum">
               <a:rPr lang="en-US" smtClean="0"/>
-              <a:t>7</a:t>
+              <a:t>4</a:t>
             </a:fld>
             <a:endParaRPr lang="en-US" dirty="0"/>
           </a:p>
@@ -798,7 +790,7 @@
     </p:spTree>
     <p:extLst>
       <p:ext uri="{BB962C8B-B14F-4D97-AF65-F5344CB8AC3E}">
-        <p14:creationId xmlns:p14="http://schemas.microsoft.com/office/powerpoint/2010/main" val="4285802301"/>
+        <p14:creationId xmlns:p14="http://schemas.microsoft.com/office/powerpoint/2010/main" val="217739100"/>
       </p:ext>
     </p:extLst>
   </p:cSld>
@@ -873,7 +865,7 @@
           <a:p>
             <a:fld id="{A89C7E07-3C67-C64C-8DA0-0404F6303970}" type="slidenum">
               <a:rPr lang="en-US" smtClean="0"/>
-              <a:t>15</a:t>
+              <a:t>7</a:t>
             </a:fld>
             <a:endParaRPr lang="en-US" dirty="0"/>
           </a:p>
@@ -2203,7 +2195,7 @@
             <a:fld id="{6FCA8E82-58CD-E045-8B98-B7A85B79B752}" type="datetime4">
               <a:rPr lang="en-US" smtClean="0"/>
               <a:pPr/>
-              <a:t>September 28, 2021</a:t>
+              <a:t>September 29, 2021</a:t>
             </a:fld>
             <a:endParaRPr lang="en-US" dirty="0">
               <a:latin typeface="+mn-lt"/>
@@ -3333,7 +3325,7 @@
             <a:fld id="{6FCA8E82-58CD-E045-8B98-B7A85B79B752}" type="datetime4">
               <a:rPr lang="en-US" smtClean="0"/>
               <a:pPr/>
-              <a:t>September 28, 2021</a:t>
+              <a:t>September 29, 2021</a:t>
             </a:fld>
             <a:endParaRPr lang="en-US" dirty="0">
               <a:latin typeface="+mn-lt"/>
@@ -4462,7 +4454,7 @@
             <a:fld id="{6FCA8E82-58CD-E045-8B98-B7A85B79B752}" type="datetime4">
               <a:rPr lang="en-US" smtClean="0"/>
               <a:pPr/>
-              <a:t>September 28, 2021</a:t>
+              <a:t>September 29, 2021</a:t>
             </a:fld>
             <a:endParaRPr lang="en-US" dirty="0">
               <a:latin typeface="+mn-lt"/>
@@ -6760,7 +6752,7 @@
             <a:fld id="{6FCA8E82-58CD-E045-8B98-B7A85B79B752}" type="datetime4">
               <a:rPr lang="en-US" smtClean="0"/>
               <a:pPr/>
-              <a:t>September 28, 2021</a:t>
+              <a:t>September 29, 2021</a:t>
             </a:fld>
             <a:endParaRPr lang="en-US" dirty="0">
               <a:latin typeface="+mn-lt"/>
@@ -7395,7 +7387,7 @@
             <a:fld id="{6FCA8E82-58CD-E045-8B98-B7A85B79B752}" type="datetime4">
               <a:rPr lang="en-US" smtClean="0"/>
               <a:pPr/>
-              <a:t>September 28, 2021</a:t>
+              <a:t>September 29, 2021</a:t>
             </a:fld>
             <a:endParaRPr lang="en-US" dirty="0">
               <a:latin typeface="+mn-lt"/>
@@ -8165,7 +8157,7 @@
             <a:fld id="{6FCA8E82-58CD-E045-8B98-B7A85B79B752}" type="datetime4">
               <a:rPr lang="en-US" smtClean="0"/>
               <a:pPr/>
-              <a:t>September 28, 2021</a:t>
+              <a:t>September 29, 2021</a:t>
             </a:fld>
             <a:endParaRPr lang="en-US" dirty="0">
               <a:latin typeface="+mn-lt"/>
@@ -8429,7 +8421,7 @@
             <a:fld id="{6FCA8E82-58CD-E045-8B98-B7A85B79B752}" type="datetime4">
               <a:rPr lang="en-US" smtClean="0"/>
               <a:pPr/>
-              <a:t>September 28, 2021</a:t>
+              <a:t>September 29, 2021</a:t>
             </a:fld>
             <a:endParaRPr lang="en-US" dirty="0">
               <a:latin typeface="+mn-lt"/>
@@ -11352,7 +11344,7 @@
             <a:fld id="{6FCA8E82-58CD-E045-8B98-B7A85B79B752}" type="datetime4">
               <a:rPr lang="en-US" smtClean="0"/>
               <a:pPr/>
-              <a:t>September 28, 2021</a:t>
+              <a:t>September 29, 2021</a:t>
             </a:fld>
             <a:endParaRPr lang="en-US" dirty="0">
               <a:latin typeface="+mn-lt"/>
@@ -12527,7 +12519,7 @@
             <a:fld id="{6FCA8E82-58CD-E045-8B98-B7A85B79B752}" type="datetime4">
               <a:rPr lang="en-US" smtClean="0"/>
               <a:pPr/>
-              <a:t>September 28, 2021</a:t>
+              <a:t>September 29, 2021</a:t>
             </a:fld>
             <a:endParaRPr lang="en-US" dirty="0">
               <a:latin typeface="+mn-lt"/>
@@ -12843,7 +12835,7 @@
             <a:fld id="{6FCA8E82-58CD-E045-8B98-B7A85B79B752}" type="datetime4">
               <a:rPr lang="en-US" smtClean="0"/>
               <a:pPr/>
-              <a:t>September 28, 2021</a:t>
+              <a:t>September 29, 2021</a:t>
             </a:fld>
             <a:endParaRPr lang="en-US" dirty="0">
               <a:latin typeface="+mn-lt"/>
@@ -13494,2432 +13486,6 @@
 </p:sld>
 </file>
 
-<file path=ppt/slides/slide10.xml><?xml version="1.0" encoding="utf-8"?>
-<p:sld xmlns:a="http://schemas.openxmlformats.org/drawingml/2006/main" xmlns:r="http://schemas.openxmlformats.org/officeDocument/2006/relationships" xmlns:p="http://schemas.openxmlformats.org/presentationml/2006/main">
-  <p:cSld>
-    <p:spTree>
-      <p:nvGrpSpPr>
-        <p:cNvPr id="1" name=""/>
-        <p:cNvGrpSpPr/>
-        <p:nvPr/>
-      </p:nvGrpSpPr>
-      <p:grpSpPr>
-        <a:xfrm>
-          <a:off x="0" y="0"/>
-          <a:ext cx="0" cy="0"/>
-          <a:chOff x="0" y="0"/>
-          <a:chExt cx="0" cy="0"/>
-        </a:xfrm>
-      </p:grpSpPr>
-      <p:sp>
-        <p:nvSpPr>
-          <p:cNvPr id="3" name="Title 2">
-            <a:extLst>
-              <a:ext uri="{FF2B5EF4-FFF2-40B4-BE49-F238E27FC236}">
-                <a16:creationId xmlns:a16="http://schemas.microsoft.com/office/drawing/2014/main" id="{01EB1D7F-284F-6F46-99FA-EBB8ED69D7EA}"/>
-              </a:ext>
-            </a:extLst>
-          </p:cNvPr>
-          <p:cNvSpPr>
-            <a:spLocks noGrp="1"/>
-          </p:cNvSpPr>
-          <p:nvPr>
-            <p:ph type="title"/>
-          </p:nvPr>
-        </p:nvSpPr>
-        <p:spPr>
-          <a:xfrm>
-            <a:off x="964022" y="879063"/>
-            <a:ext cx="7532277" cy="610863"/>
-          </a:xfrm>
-        </p:spPr>
-        <p:txBody>
-          <a:bodyPr/>
-          <a:lstStyle/>
-          <a:p>
-            <a:r>
-              <a:rPr lang="en-US" dirty="0"/>
-              <a:t>Our team</a:t>
-            </a:r>
-          </a:p>
-        </p:txBody>
-      </p:sp>
-      <p:pic>
-        <p:nvPicPr>
-          <p:cNvPr id="37" name="Picture Placeholder 36" descr="Portrait of a team member">
-            <a:extLst>
-              <a:ext uri="{FF2B5EF4-FFF2-40B4-BE49-F238E27FC236}">
-                <a16:creationId xmlns:a16="http://schemas.microsoft.com/office/drawing/2014/main" id="{A6DA57CA-945B-4A0F-8110-3C4D57993698}"/>
-              </a:ext>
-            </a:extLst>
-          </p:cNvPr>
-          <p:cNvPicPr>
-            <a:picLocks noGrp="1" noChangeAspect="1"/>
-          </p:cNvPicPr>
-          <p:nvPr>
-            <p:ph type="pic" sz="quarter" idx="18"/>
-          </p:nvPr>
-        </p:nvPicPr>
-        <p:blipFill rotWithShape="1">
-          <a:blip r:embed="rId2">
-            <a:extLst>
-              <a:ext uri="{28A0092B-C50C-407E-A947-70E740481C1C}">
-                <a14:useLocalDpi xmlns:a14="http://schemas.microsoft.com/office/drawing/2010/main" val="0"/>
-              </a:ext>
-            </a:extLst>
-          </a:blip>
-          <a:srcRect/>
-          <a:stretch/>
-        </p:blipFill>
-        <p:spPr>
-          <a:xfrm>
-            <a:off x="954268" y="2572883"/>
-            <a:ext cx="2118245" cy="2037217"/>
-          </a:xfrm>
-        </p:spPr>
-      </p:pic>
-      <p:sp>
-        <p:nvSpPr>
-          <p:cNvPr id="6" name="Text Placeholder 5">
-            <a:extLst>
-              <a:ext uri="{FF2B5EF4-FFF2-40B4-BE49-F238E27FC236}">
-                <a16:creationId xmlns:a16="http://schemas.microsoft.com/office/drawing/2014/main" id="{EA1E2644-1BD8-DB4D-B01F-F617AABF793F}"/>
-              </a:ext>
-            </a:extLst>
-          </p:cNvPr>
-          <p:cNvSpPr>
-            <a:spLocks noGrp="1"/>
-          </p:cNvSpPr>
-          <p:nvPr>
-            <p:ph type="body" sz="quarter" idx="11"/>
-          </p:nvPr>
-        </p:nvSpPr>
-        <p:spPr>
-          <a:xfrm>
-            <a:off x="952500" y="4986745"/>
-            <a:ext cx="2133600" cy="205837"/>
-          </a:xfrm>
-        </p:spPr>
-        <p:txBody>
-          <a:bodyPr/>
-          <a:lstStyle/>
-          <a:p>
-            <a:r>
-              <a:rPr lang="en-US" dirty="0"/>
-              <a:t>Anna</a:t>
-            </a:r>
-          </a:p>
-          <a:p>
-            <a:endParaRPr lang="en-US" dirty="0"/>
-          </a:p>
-        </p:txBody>
-      </p:sp>
-      <p:sp>
-        <p:nvSpPr>
-          <p:cNvPr id="5" name="Text Placeholder 4">
-            <a:extLst>
-              <a:ext uri="{FF2B5EF4-FFF2-40B4-BE49-F238E27FC236}">
-                <a16:creationId xmlns:a16="http://schemas.microsoft.com/office/drawing/2014/main" id="{9642AB8A-80CA-C941-A861-E9F7C174A121}"/>
-              </a:ext>
-            </a:extLst>
-          </p:cNvPr>
-          <p:cNvSpPr>
-            <a:spLocks noGrp="1"/>
-          </p:cNvSpPr>
-          <p:nvPr>
-            <p:ph type="body" sz="quarter" idx="12"/>
-          </p:nvPr>
-        </p:nvSpPr>
-        <p:spPr>
-          <a:xfrm>
-            <a:off x="952500" y="5393169"/>
-            <a:ext cx="2133600" cy="369332"/>
-          </a:xfrm>
-        </p:spPr>
-        <p:txBody>
-          <a:bodyPr/>
-          <a:lstStyle/>
-          <a:p>
-            <a:r>
-              <a:rPr lang="en-US" dirty="0"/>
-              <a:t>CEO</a:t>
-            </a:r>
-          </a:p>
-        </p:txBody>
-      </p:sp>
-      <p:pic>
-        <p:nvPicPr>
-          <p:cNvPr id="19" name="Picture Placeholder 13" descr="Portrait of a team member">
-            <a:extLst>
-              <a:ext uri="{FF2B5EF4-FFF2-40B4-BE49-F238E27FC236}">
-                <a16:creationId xmlns:a16="http://schemas.microsoft.com/office/drawing/2014/main" id="{EF9CA003-7E17-ED41-92AE-D8D98C0825A7}"/>
-              </a:ext>
-            </a:extLst>
-          </p:cNvPr>
-          <p:cNvPicPr>
-            <a:picLocks noGrp="1" noChangeAspect="1"/>
-          </p:cNvPicPr>
-          <p:nvPr>
-            <p:ph type="pic" sz="quarter" idx="24"/>
-          </p:nvPr>
-        </p:nvPicPr>
-        <p:blipFill rotWithShape="1">
-          <a:blip r:embed="rId3">
-            <a:extLst>
-              <a:ext uri="{BEBA8EAE-BF5A-486C-A8C5-ECC9F3942E4B}">
-                <a14:imgProps xmlns:a14="http://schemas.microsoft.com/office/drawing/2010/main">
-                  <a14:imgLayer r:embed="rId4">
-                    <a14:imgEffect>
-                      <a14:saturation sat="0"/>
-                    </a14:imgEffect>
-                  </a14:imgLayer>
-                </a14:imgProps>
-              </a:ext>
-              <a:ext uri="{28A0092B-C50C-407E-A947-70E740481C1C}">
-                <a14:useLocalDpi xmlns:a14="http://schemas.microsoft.com/office/drawing/2010/main" val="0"/>
-              </a:ext>
-            </a:extLst>
-          </a:blip>
-          <a:srcRect/>
-          <a:stretch/>
-        </p:blipFill>
-        <p:spPr>
-          <a:xfrm>
-            <a:off x="3658280" y="2572883"/>
-            <a:ext cx="2118245" cy="2037217"/>
-          </a:xfrm>
-        </p:spPr>
-      </p:pic>
-      <p:sp>
-        <p:nvSpPr>
-          <p:cNvPr id="8" name="Text Placeholder 7">
-            <a:extLst>
-              <a:ext uri="{FF2B5EF4-FFF2-40B4-BE49-F238E27FC236}">
-                <a16:creationId xmlns:a16="http://schemas.microsoft.com/office/drawing/2014/main" id="{AF43A531-88E8-744E-9BB5-FD05029B1D21}"/>
-              </a:ext>
-            </a:extLst>
-          </p:cNvPr>
-          <p:cNvSpPr>
-            <a:spLocks noGrp="1"/>
-          </p:cNvSpPr>
-          <p:nvPr>
-            <p:ph type="body" sz="quarter" idx="15"/>
-          </p:nvPr>
-        </p:nvSpPr>
-        <p:spPr>
-          <a:xfrm>
-            <a:off x="3663042" y="4986745"/>
-            <a:ext cx="2128157" cy="205837"/>
-          </a:xfrm>
-        </p:spPr>
-        <p:txBody>
-          <a:bodyPr/>
-          <a:lstStyle/>
-          <a:p>
-            <a:r>
-              <a:rPr lang="en-US" dirty="0"/>
-              <a:t>Larissa</a:t>
-            </a:r>
-          </a:p>
-        </p:txBody>
-      </p:sp>
-      <p:sp>
-        <p:nvSpPr>
-          <p:cNvPr id="7" name="Text Placeholder 6">
-            <a:extLst>
-              <a:ext uri="{FF2B5EF4-FFF2-40B4-BE49-F238E27FC236}">
-                <a16:creationId xmlns:a16="http://schemas.microsoft.com/office/drawing/2014/main" id="{3590C1A1-4321-EC41-8248-D3B566DD51BD}"/>
-              </a:ext>
-            </a:extLst>
-          </p:cNvPr>
-          <p:cNvSpPr>
-            <a:spLocks noGrp="1"/>
-          </p:cNvSpPr>
-          <p:nvPr>
-            <p:ph type="body" sz="quarter" idx="13"/>
-          </p:nvPr>
-        </p:nvSpPr>
-        <p:spPr>
-          <a:xfrm>
-            <a:off x="3663042" y="5393169"/>
-            <a:ext cx="2128157" cy="369332"/>
-          </a:xfrm>
-        </p:spPr>
-        <p:txBody>
-          <a:bodyPr/>
-          <a:lstStyle/>
-          <a:p>
-            <a:r>
-              <a:rPr lang="en-US" dirty="0"/>
-              <a:t>CFO</a:t>
-            </a:r>
-          </a:p>
-        </p:txBody>
-      </p:sp>
-      <p:pic>
-        <p:nvPicPr>
-          <p:cNvPr id="41" name="Picture Placeholder 40" descr="Portrait of a team member">
-            <a:extLst>
-              <a:ext uri="{FF2B5EF4-FFF2-40B4-BE49-F238E27FC236}">
-                <a16:creationId xmlns:a16="http://schemas.microsoft.com/office/drawing/2014/main" id="{74EB486D-4A8D-4B29-8FD0-B96906E3E283}"/>
-              </a:ext>
-            </a:extLst>
-          </p:cNvPr>
-          <p:cNvPicPr>
-            <a:picLocks noGrp="1" noChangeAspect="1"/>
-          </p:cNvPicPr>
-          <p:nvPr>
-            <p:ph type="pic" sz="quarter" idx="27"/>
-          </p:nvPr>
-        </p:nvPicPr>
-        <p:blipFill rotWithShape="1">
-          <a:blip r:embed="rId5">
-            <a:extLst>
-              <a:ext uri="{28A0092B-C50C-407E-A947-70E740481C1C}">
-                <a14:useLocalDpi xmlns:a14="http://schemas.microsoft.com/office/drawing/2010/main" val="0"/>
-              </a:ext>
-            </a:extLst>
-          </a:blip>
-          <a:srcRect/>
-          <a:stretch/>
-        </p:blipFill>
-        <p:spPr>
-          <a:xfrm>
-            <a:off x="6362292" y="2572883"/>
-            <a:ext cx="2118245" cy="2037217"/>
-          </a:xfrm>
-        </p:spPr>
-      </p:pic>
-      <p:sp>
-        <p:nvSpPr>
-          <p:cNvPr id="10" name="Text Placeholder 9">
-            <a:extLst>
-              <a:ext uri="{FF2B5EF4-FFF2-40B4-BE49-F238E27FC236}">
-                <a16:creationId xmlns:a16="http://schemas.microsoft.com/office/drawing/2014/main" id="{1DF7B21D-37D3-8344-AC78-C169C79D3D2A}"/>
-              </a:ext>
-            </a:extLst>
-          </p:cNvPr>
-          <p:cNvSpPr>
-            <a:spLocks noGrp="1"/>
-          </p:cNvSpPr>
-          <p:nvPr>
-            <p:ph type="body" sz="quarter" idx="31"/>
-          </p:nvPr>
-        </p:nvSpPr>
-        <p:spPr>
-          <a:xfrm>
-            <a:off x="6367054" y="4986745"/>
-            <a:ext cx="2129245" cy="205837"/>
-          </a:xfrm>
-        </p:spPr>
-        <p:txBody>
-          <a:bodyPr/>
-          <a:lstStyle/>
-          <a:p>
-            <a:r>
-              <a:rPr lang="en-US" dirty="0"/>
-              <a:t>Roman</a:t>
-            </a:r>
-          </a:p>
-        </p:txBody>
-      </p:sp>
-      <p:sp>
-        <p:nvSpPr>
-          <p:cNvPr id="9" name="Text Placeholder 8">
-            <a:extLst>
-              <a:ext uri="{FF2B5EF4-FFF2-40B4-BE49-F238E27FC236}">
-                <a16:creationId xmlns:a16="http://schemas.microsoft.com/office/drawing/2014/main" id="{2581095F-0795-744B-A3E7-94DFB3CBF331}"/>
-              </a:ext>
-            </a:extLst>
-          </p:cNvPr>
-          <p:cNvSpPr>
-            <a:spLocks noGrp="1"/>
-          </p:cNvSpPr>
-          <p:nvPr>
-            <p:ph type="body" sz="quarter" idx="16"/>
-          </p:nvPr>
-        </p:nvSpPr>
-        <p:spPr>
-          <a:xfrm>
-            <a:off x="6367054" y="5393169"/>
-            <a:ext cx="2129245" cy="369332"/>
-          </a:xfrm>
-        </p:spPr>
-        <p:txBody>
-          <a:bodyPr/>
-          <a:lstStyle/>
-          <a:p>
-            <a:r>
-              <a:rPr lang="en-US" dirty="0"/>
-              <a:t>COO</a:t>
-            </a:r>
-          </a:p>
-        </p:txBody>
-      </p:sp>
-      <p:pic>
-        <p:nvPicPr>
-          <p:cNvPr id="21" name="Picture Placeholder 18" descr="Portrait of a team member">
-            <a:extLst>
-              <a:ext uri="{FF2B5EF4-FFF2-40B4-BE49-F238E27FC236}">
-                <a16:creationId xmlns:a16="http://schemas.microsoft.com/office/drawing/2014/main" id="{17C96991-59CF-8142-BA51-B8B56EE23D65}"/>
-              </a:ext>
-            </a:extLst>
-          </p:cNvPr>
-          <p:cNvPicPr>
-            <a:picLocks noGrp="1" noChangeAspect="1"/>
-          </p:cNvPicPr>
-          <p:nvPr>
-            <p:ph type="pic" sz="quarter" idx="30"/>
-          </p:nvPr>
-        </p:nvPicPr>
-        <p:blipFill rotWithShape="1">
-          <a:blip r:embed="rId6">
-            <a:extLst>
-              <a:ext uri="{BEBA8EAE-BF5A-486C-A8C5-ECC9F3942E4B}">
-                <a14:imgProps xmlns:a14="http://schemas.microsoft.com/office/drawing/2010/main">
-                  <a14:imgLayer r:embed="rId7">
-                    <a14:imgEffect>
-                      <a14:saturation sat="0"/>
-                    </a14:imgEffect>
-                  </a14:imgLayer>
-                </a14:imgProps>
-              </a:ext>
-              <a:ext uri="{28A0092B-C50C-407E-A947-70E740481C1C}">
-                <a14:useLocalDpi xmlns:a14="http://schemas.microsoft.com/office/drawing/2010/main" val="0"/>
-              </a:ext>
-            </a:extLst>
-          </a:blip>
-          <a:srcRect/>
-          <a:stretch/>
-        </p:blipFill>
-        <p:spPr>
-          <a:xfrm>
-            <a:off x="9112023" y="2572883"/>
-            <a:ext cx="2118245" cy="2037217"/>
-          </a:xfrm>
-        </p:spPr>
-      </p:pic>
-      <p:sp>
-        <p:nvSpPr>
-          <p:cNvPr id="12" name="Text Placeholder 11">
-            <a:extLst>
-              <a:ext uri="{FF2B5EF4-FFF2-40B4-BE49-F238E27FC236}">
-                <a16:creationId xmlns:a16="http://schemas.microsoft.com/office/drawing/2014/main" id="{70695B8F-A3CD-4845-8150-758480179C28}"/>
-              </a:ext>
-            </a:extLst>
-          </p:cNvPr>
-          <p:cNvSpPr>
-            <a:spLocks noGrp="1"/>
-          </p:cNvSpPr>
-          <p:nvPr>
-            <p:ph type="body" sz="quarter" idx="21"/>
-          </p:nvPr>
-        </p:nvSpPr>
-        <p:spPr>
-          <a:xfrm>
-            <a:off x="9110254" y="4986745"/>
-            <a:ext cx="2129245" cy="205837"/>
-          </a:xfrm>
-        </p:spPr>
-        <p:txBody>
-          <a:bodyPr/>
-          <a:lstStyle/>
-          <a:p>
-            <a:r>
-              <a:rPr lang="en-US" dirty="0"/>
-              <a:t>Federico</a:t>
-            </a:r>
-          </a:p>
-        </p:txBody>
-      </p:sp>
-      <p:sp>
-        <p:nvSpPr>
-          <p:cNvPr id="11" name="Text Placeholder 10">
-            <a:extLst>
-              <a:ext uri="{FF2B5EF4-FFF2-40B4-BE49-F238E27FC236}">
-                <a16:creationId xmlns:a16="http://schemas.microsoft.com/office/drawing/2014/main" id="{69B26C61-D5D7-CC42-848C-158367DB8216}"/>
-              </a:ext>
-            </a:extLst>
-          </p:cNvPr>
-          <p:cNvSpPr>
-            <a:spLocks noGrp="1"/>
-          </p:cNvSpPr>
-          <p:nvPr>
-            <p:ph type="body" sz="quarter" idx="19"/>
-          </p:nvPr>
-        </p:nvSpPr>
-        <p:spPr>
-          <a:xfrm>
-            <a:off x="9110254" y="5393169"/>
-            <a:ext cx="2129245" cy="369332"/>
-          </a:xfrm>
-        </p:spPr>
-        <p:txBody>
-          <a:bodyPr/>
-          <a:lstStyle/>
-          <a:p>
-            <a:r>
-              <a:rPr lang="en-US" dirty="0"/>
-              <a:t>CTO</a:t>
-            </a:r>
-          </a:p>
-        </p:txBody>
-      </p:sp>
-      <p:sp>
-        <p:nvSpPr>
-          <p:cNvPr id="17" name="Slide Number Placeholder 16">
-            <a:extLst>
-              <a:ext uri="{FF2B5EF4-FFF2-40B4-BE49-F238E27FC236}">
-                <a16:creationId xmlns:a16="http://schemas.microsoft.com/office/drawing/2014/main" id="{32DA2B67-BDBB-C945-988B-6C0D86F697CE}"/>
-              </a:ext>
-            </a:extLst>
-          </p:cNvPr>
-          <p:cNvSpPr>
-            <a:spLocks noGrp="1"/>
-          </p:cNvSpPr>
-          <p:nvPr>
-            <p:ph type="sldNum" sz="quarter" idx="34"/>
-          </p:nvPr>
-        </p:nvSpPr>
-        <p:spPr>
-          <a:xfrm>
-            <a:off x="971550" y="6332220"/>
-            <a:ext cx="523240" cy="247651"/>
-          </a:xfrm>
-        </p:spPr>
-        <p:txBody>
-          <a:bodyPr/>
-          <a:lstStyle/>
-          <a:p>
-            <a:fld id="{294A09A9-5501-47C1-A89A-A340965A2BE2}" type="slidenum">
-              <a:rPr lang="en-US" smtClean="0"/>
-              <a:pPr/>
-              <a:t>10</a:t>
-            </a:fld>
-            <a:endParaRPr lang="en-US" dirty="0"/>
-          </a:p>
-        </p:txBody>
-      </p:sp>
-      <p:sp>
-        <p:nvSpPr>
-          <p:cNvPr id="16" name="Footer Placeholder 15">
-            <a:extLst>
-              <a:ext uri="{FF2B5EF4-FFF2-40B4-BE49-F238E27FC236}">
-                <a16:creationId xmlns:a16="http://schemas.microsoft.com/office/drawing/2014/main" id="{1EAEE347-BDD8-5349-BB37-C8938BFCFF4C}"/>
-              </a:ext>
-            </a:extLst>
-          </p:cNvPr>
-          <p:cNvSpPr>
-            <a:spLocks noGrp="1"/>
-          </p:cNvSpPr>
-          <p:nvPr>
-            <p:ph type="ftr" sz="quarter" idx="33"/>
-          </p:nvPr>
-        </p:nvSpPr>
-        <p:spPr>
-          <a:xfrm>
-            <a:off x="1494790" y="6332220"/>
-            <a:ext cx="1497330" cy="247651"/>
-          </a:xfrm>
-        </p:spPr>
-        <p:txBody>
-          <a:bodyPr/>
-          <a:lstStyle/>
-          <a:p>
-            <a:r>
-              <a:rPr lang="en-US" dirty="0"/>
-              <a:t>Annual Review</a:t>
-            </a:r>
-          </a:p>
-        </p:txBody>
-      </p:sp>
-      <p:sp>
-        <p:nvSpPr>
-          <p:cNvPr id="15" name="Date Placeholder 14">
-            <a:extLst>
-              <a:ext uri="{FF2B5EF4-FFF2-40B4-BE49-F238E27FC236}">
-                <a16:creationId xmlns:a16="http://schemas.microsoft.com/office/drawing/2014/main" id="{B160BE06-EC01-1145-BF3B-C02AC24955C4}"/>
-              </a:ext>
-            </a:extLst>
-          </p:cNvPr>
-          <p:cNvSpPr>
-            <a:spLocks noGrp="1"/>
-          </p:cNvSpPr>
-          <p:nvPr>
-            <p:ph type="dt" sz="half" idx="32"/>
-          </p:nvPr>
-        </p:nvSpPr>
-        <p:spPr>
-          <a:xfrm>
-            <a:off x="2992120" y="6332220"/>
-            <a:ext cx="1313180" cy="247651"/>
-          </a:xfrm>
-        </p:spPr>
-        <p:txBody>
-          <a:bodyPr/>
-          <a:lstStyle/>
-          <a:p>
-            <a:fld id="{6FCA8E82-58CD-E045-8B98-B7A85B79B752}" type="datetime4">
-              <a:rPr lang="en-US" smtClean="0"/>
-              <a:pPr/>
-              <a:t>September 28, 2021</a:t>
-            </a:fld>
-            <a:endParaRPr lang="en-US" dirty="0"/>
-          </a:p>
-        </p:txBody>
-      </p:sp>
-    </p:spTree>
-    <p:extLst>
-      <p:ext uri="{BB962C8B-B14F-4D97-AF65-F5344CB8AC3E}">
-        <p14:creationId xmlns:p14="http://schemas.microsoft.com/office/powerpoint/2010/main" val="188845726"/>
-      </p:ext>
-    </p:extLst>
-  </p:cSld>
-  <p:clrMapOvr>
-    <a:masterClrMapping/>
-  </p:clrMapOvr>
-</p:sld>
-</file>
-
-<file path=ppt/slides/slide11.xml><?xml version="1.0" encoding="utf-8"?>
-<p:sld xmlns:a="http://schemas.openxmlformats.org/drawingml/2006/main" xmlns:r="http://schemas.openxmlformats.org/officeDocument/2006/relationships" xmlns:p="http://schemas.openxmlformats.org/presentationml/2006/main">
-  <p:cSld>
-    <p:spTree>
-      <p:nvGrpSpPr>
-        <p:cNvPr id="1" name=""/>
-        <p:cNvGrpSpPr/>
-        <p:nvPr/>
-      </p:nvGrpSpPr>
-      <p:grpSpPr>
-        <a:xfrm>
-          <a:off x="0" y="0"/>
-          <a:ext cx="0" cy="0"/>
-          <a:chOff x="0" y="0"/>
-          <a:chExt cx="0" cy="0"/>
-        </a:xfrm>
-      </p:grpSpPr>
-      <p:sp>
-        <p:nvSpPr>
-          <p:cNvPr id="2" name="Title 1">
-            <a:extLst>
-              <a:ext uri="{FF2B5EF4-FFF2-40B4-BE49-F238E27FC236}">
-                <a16:creationId xmlns:a16="http://schemas.microsoft.com/office/drawing/2014/main" id="{00319620-6CCC-A34D-9D45-D6B57F800708}"/>
-              </a:ext>
-            </a:extLst>
-          </p:cNvPr>
-          <p:cNvSpPr>
-            <a:spLocks noGrp="1"/>
-          </p:cNvSpPr>
-          <p:nvPr>
-            <p:ph type="title"/>
-          </p:nvPr>
-        </p:nvSpPr>
-        <p:spPr>
-          <a:xfrm>
-            <a:off x="964023" y="879063"/>
-            <a:ext cx="4941477" cy="610863"/>
-          </a:xfrm>
-        </p:spPr>
-        <p:txBody>
-          <a:bodyPr/>
-          <a:lstStyle/>
-          <a:p>
-            <a:r>
-              <a:rPr lang="en-US" dirty="0"/>
-              <a:t>Timeline</a:t>
-            </a:r>
-          </a:p>
-        </p:txBody>
-      </p:sp>
-      <p:sp>
-        <p:nvSpPr>
-          <p:cNvPr id="4" name="Text Placeholder 3">
-            <a:extLst>
-              <a:ext uri="{FF2B5EF4-FFF2-40B4-BE49-F238E27FC236}">
-                <a16:creationId xmlns:a16="http://schemas.microsoft.com/office/drawing/2014/main" id="{86655189-E7B2-3A4A-99EE-997592791F7D}"/>
-              </a:ext>
-            </a:extLst>
-          </p:cNvPr>
-          <p:cNvSpPr>
-            <a:spLocks noGrp="1"/>
-          </p:cNvSpPr>
-          <p:nvPr>
-            <p:ph type="body" sz="quarter" idx="11"/>
-          </p:nvPr>
-        </p:nvSpPr>
-        <p:spPr>
-          <a:xfrm>
-            <a:off x="1296955" y="2568686"/>
-            <a:ext cx="2133600" cy="205837"/>
-          </a:xfrm>
-        </p:spPr>
-        <p:txBody>
-          <a:bodyPr/>
-          <a:lstStyle/>
-          <a:p>
-            <a:r>
-              <a:rPr lang="en-US" dirty="0"/>
-              <a:t>Q1. Jul – Sep</a:t>
-            </a:r>
-          </a:p>
-        </p:txBody>
-      </p:sp>
-      <p:sp>
-        <p:nvSpPr>
-          <p:cNvPr id="3" name="Text Placeholder 2">
-            <a:extLst>
-              <a:ext uri="{FF2B5EF4-FFF2-40B4-BE49-F238E27FC236}">
-                <a16:creationId xmlns:a16="http://schemas.microsoft.com/office/drawing/2014/main" id="{6873C602-BA59-1744-B258-B489E00A3E14}"/>
-              </a:ext>
-            </a:extLst>
-          </p:cNvPr>
-          <p:cNvSpPr>
-            <a:spLocks noGrp="1"/>
-          </p:cNvSpPr>
-          <p:nvPr>
-            <p:ph type="body" sz="quarter" idx="12"/>
-          </p:nvPr>
-        </p:nvSpPr>
-        <p:spPr>
-          <a:xfrm>
-            <a:off x="1296955" y="2934856"/>
-            <a:ext cx="2133600" cy="369332"/>
-          </a:xfrm>
-        </p:spPr>
-        <p:txBody>
-          <a:bodyPr/>
-          <a:lstStyle/>
-          <a:p>
-            <a:r>
-              <a:rPr lang="en-US" dirty="0"/>
-              <a:t>Lorem ipsum dolor sit amet, consectetuer adipiscing elit, sed diam nonummy nibh.</a:t>
-            </a:r>
-          </a:p>
-          <a:p>
-            <a:endParaRPr lang="en-US" dirty="0"/>
-          </a:p>
-        </p:txBody>
-      </p:sp>
-      <p:sp>
-        <p:nvSpPr>
-          <p:cNvPr id="6" name="Text Placeholder 5">
-            <a:extLst>
-              <a:ext uri="{FF2B5EF4-FFF2-40B4-BE49-F238E27FC236}">
-                <a16:creationId xmlns:a16="http://schemas.microsoft.com/office/drawing/2014/main" id="{8D4284CF-DF13-E947-ADA5-0FD9AAC03C23}"/>
-              </a:ext>
-            </a:extLst>
-          </p:cNvPr>
-          <p:cNvSpPr>
-            <a:spLocks noGrp="1"/>
-          </p:cNvSpPr>
-          <p:nvPr>
-            <p:ph type="body" sz="quarter" idx="31"/>
-          </p:nvPr>
-        </p:nvSpPr>
-        <p:spPr>
-          <a:xfrm>
-            <a:off x="3897799" y="4701908"/>
-            <a:ext cx="2133600" cy="205837"/>
-          </a:xfrm>
-        </p:spPr>
-        <p:txBody>
-          <a:bodyPr/>
-          <a:lstStyle/>
-          <a:p>
-            <a:r>
-              <a:rPr lang="en-US" dirty="0"/>
-              <a:t>Q2. Oct – Dec	</a:t>
-            </a:r>
-          </a:p>
-        </p:txBody>
-      </p:sp>
-      <p:sp>
-        <p:nvSpPr>
-          <p:cNvPr id="5" name="Text Placeholder 4">
-            <a:extLst>
-              <a:ext uri="{FF2B5EF4-FFF2-40B4-BE49-F238E27FC236}">
-                <a16:creationId xmlns:a16="http://schemas.microsoft.com/office/drawing/2014/main" id="{FA4FEC49-A0F0-FB4E-9A87-B2EF11364721}"/>
-              </a:ext>
-            </a:extLst>
-          </p:cNvPr>
-          <p:cNvSpPr>
-            <a:spLocks noGrp="1"/>
-          </p:cNvSpPr>
-          <p:nvPr>
-            <p:ph type="body" sz="quarter" idx="30"/>
-          </p:nvPr>
-        </p:nvSpPr>
-        <p:spPr>
-          <a:xfrm>
-            <a:off x="3897799" y="5087328"/>
-            <a:ext cx="2133600" cy="369332"/>
-          </a:xfrm>
-        </p:spPr>
-        <p:txBody>
-          <a:bodyPr/>
-          <a:lstStyle/>
-          <a:p>
-            <a:r>
-              <a:rPr lang="en-US" dirty="0"/>
-              <a:t>Lorem ipsum dolor sit amet, consectetuer adipiscing elit, sed diam nonummy nibh.</a:t>
-            </a:r>
-          </a:p>
-          <a:p>
-            <a:endParaRPr lang="en-US" dirty="0"/>
-          </a:p>
-        </p:txBody>
-      </p:sp>
-      <p:sp>
-        <p:nvSpPr>
-          <p:cNvPr id="10" name="Text Placeholder 9">
-            <a:extLst>
-              <a:ext uri="{FF2B5EF4-FFF2-40B4-BE49-F238E27FC236}">
-                <a16:creationId xmlns:a16="http://schemas.microsoft.com/office/drawing/2014/main" id="{9C396C20-F6DF-C940-BE16-6E008BFF9CB9}"/>
-              </a:ext>
-            </a:extLst>
-          </p:cNvPr>
-          <p:cNvSpPr>
-            <a:spLocks noGrp="1"/>
-          </p:cNvSpPr>
-          <p:nvPr>
-            <p:ph type="body" sz="quarter" idx="35"/>
-          </p:nvPr>
-        </p:nvSpPr>
-        <p:spPr>
-          <a:xfrm>
-            <a:off x="6438143" y="2568686"/>
-            <a:ext cx="2133600" cy="205837"/>
-          </a:xfrm>
-        </p:spPr>
-        <p:txBody>
-          <a:bodyPr/>
-          <a:lstStyle/>
-          <a:p>
-            <a:r>
-              <a:rPr lang="en-US" dirty="0"/>
-              <a:t>Q3. Jan – Mar	</a:t>
-            </a:r>
-          </a:p>
-        </p:txBody>
-      </p:sp>
-      <p:sp>
-        <p:nvSpPr>
-          <p:cNvPr id="9" name="Text Placeholder 8">
-            <a:extLst>
-              <a:ext uri="{FF2B5EF4-FFF2-40B4-BE49-F238E27FC236}">
-                <a16:creationId xmlns:a16="http://schemas.microsoft.com/office/drawing/2014/main" id="{55F2A68F-70C1-7F46-9A1C-586701744F58}"/>
-              </a:ext>
-            </a:extLst>
-          </p:cNvPr>
-          <p:cNvSpPr>
-            <a:spLocks noGrp="1"/>
-          </p:cNvSpPr>
-          <p:nvPr>
-            <p:ph type="body" sz="quarter" idx="34"/>
-          </p:nvPr>
-        </p:nvSpPr>
-        <p:spPr>
-          <a:xfrm>
-            <a:off x="6438143" y="2934856"/>
-            <a:ext cx="2133600" cy="369332"/>
-          </a:xfrm>
-        </p:spPr>
-        <p:txBody>
-          <a:bodyPr/>
-          <a:lstStyle/>
-          <a:p>
-            <a:r>
-              <a:rPr lang="en-US" dirty="0"/>
-              <a:t>Lorem ipsum dolor sit amet, consectetuer adipiscing elit, sed diam nonummy nibh.</a:t>
-            </a:r>
-          </a:p>
-          <a:p>
-            <a:endParaRPr lang="en-US" dirty="0"/>
-          </a:p>
-        </p:txBody>
-      </p:sp>
-      <p:sp>
-        <p:nvSpPr>
-          <p:cNvPr id="8" name="Text Placeholder 7">
-            <a:extLst>
-              <a:ext uri="{FF2B5EF4-FFF2-40B4-BE49-F238E27FC236}">
-                <a16:creationId xmlns:a16="http://schemas.microsoft.com/office/drawing/2014/main" id="{58554997-3B04-634C-A36E-69B03113315A}"/>
-              </a:ext>
-            </a:extLst>
-          </p:cNvPr>
-          <p:cNvSpPr>
-            <a:spLocks noGrp="1"/>
-          </p:cNvSpPr>
-          <p:nvPr>
-            <p:ph type="body" sz="quarter" idx="33"/>
-          </p:nvPr>
-        </p:nvSpPr>
-        <p:spPr>
-          <a:xfrm>
-            <a:off x="9001711" y="4701908"/>
-            <a:ext cx="2133600" cy="205837"/>
-          </a:xfrm>
-        </p:spPr>
-        <p:txBody>
-          <a:bodyPr/>
-          <a:lstStyle/>
-          <a:p>
-            <a:r>
-              <a:rPr lang="en-US" dirty="0"/>
-              <a:t>Q4. Apr – Jun	</a:t>
-            </a:r>
-          </a:p>
-        </p:txBody>
-      </p:sp>
-      <p:sp>
-        <p:nvSpPr>
-          <p:cNvPr id="7" name="Text Placeholder 6">
-            <a:extLst>
-              <a:ext uri="{FF2B5EF4-FFF2-40B4-BE49-F238E27FC236}">
-                <a16:creationId xmlns:a16="http://schemas.microsoft.com/office/drawing/2014/main" id="{4E355B93-F7B4-8649-8BBF-819B529D7EC7}"/>
-              </a:ext>
-            </a:extLst>
-          </p:cNvPr>
-          <p:cNvSpPr>
-            <a:spLocks noGrp="1"/>
-          </p:cNvSpPr>
-          <p:nvPr>
-            <p:ph type="body" sz="quarter" idx="32"/>
-          </p:nvPr>
-        </p:nvSpPr>
-        <p:spPr>
-          <a:xfrm>
-            <a:off x="9001711" y="5087328"/>
-            <a:ext cx="2133600" cy="369332"/>
-          </a:xfrm>
-        </p:spPr>
-        <p:txBody>
-          <a:bodyPr/>
-          <a:lstStyle/>
-          <a:p>
-            <a:r>
-              <a:rPr lang="en-US" dirty="0"/>
-              <a:t>Lorem ipsum dolor sit amet, consectetuer adipiscing elit, sed diam nonummy nibh.</a:t>
-            </a:r>
-          </a:p>
-          <a:p>
-            <a:endParaRPr lang="en-US" dirty="0"/>
-          </a:p>
-        </p:txBody>
-      </p:sp>
-      <p:sp>
-        <p:nvSpPr>
-          <p:cNvPr id="13" name="Slide Number Placeholder 12">
-            <a:extLst>
-              <a:ext uri="{FF2B5EF4-FFF2-40B4-BE49-F238E27FC236}">
-                <a16:creationId xmlns:a16="http://schemas.microsoft.com/office/drawing/2014/main" id="{B2B0E625-26CC-9744-9B92-56905E797B65}"/>
-              </a:ext>
-            </a:extLst>
-          </p:cNvPr>
-          <p:cNvSpPr>
-            <a:spLocks noGrp="1"/>
-          </p:cNvSpPr>
-          <p:nvPr>
-            <p:ph type="sldNum" sz="quarter" idx="38"/>
-          </p:nvPr>
-        </p:nvSpPr>
-        <p:spPr>
-          <a:xfrm>
-            <a:off x="971550" y="6332220"/>
-            <a:ext cx="523240" cy="247651"/>
-          </a:xfrm>
-        </p:spPr>
-        <p:txBody>
-          <a:bodyPr/>
-          <a:lstStyle/>
-          <a:p>
-            <a:fld id="{294A09A9-5501-47C1-A89A-A340965A2BE2}" type="slidenum">
-              <a:rPr lang="en-US" smtClean="0"/>
-              <a:pPr/>
-              <a:t>11</a:t>
-            </a:fld>
-            <a:endParaRPr lang="en-US" dirty="0"/>
-          </a:p>
-        </p:txBody>
-      </p:sp>
-      <p:sp>
-        <p:nvSpPr>
-          <p:cNvPr id="12" name="Footer Placeholder 11">
-            <a:extLst>
-              <a:ext uri="{FF2B5EF4-FFF2-40B4-BE49-F238E27FC236}">
-                <a16:creationId xmlns:a16="http://schemas.microsoft.com/office/drawing/2014/main" id="{6F29C953-E914-EE4E-B001-1E1EAD7BFD8A}"/>
-              </a:ext>
-            </a:extLst>
-          </p:cNvPr>
-          <p:cNvSpPr>
-            <a:spLocks noGrp="1"/>
-          </p:cNvSpPr>
-          <p:nvPr>
-            <p:ph type="ftr" sz="quarter" idx="37"/>
-          </p:nvPr>
-        </p:nvSpPr>
-        <p:spPr>
-          <a:xfrm>
-            <a:off x="1494790" y="6332220"/>
-            <a:ext cx="1497330" cy="247651"/>
-          </a:xfrm>
-        </p:spPr>
-        <p:txBody>
-          <a:bodyPr/>
-          <a:lstStyle/>
-          <a:p>
-            <a:r>
-              <a:rPr lang="en-US" dirty="0"/>
-              <a:t>Annual Review</a:t>
-            </a:r>
-          </a:p>
-        </p:txBody>
-      </p:sp>
-      <p:sp>
-        <p:nvSpPr>
-          <p:cNvPr id="11" name="Date Placeholder 10">
-            <a:extLst>
-              <a:ext uri="{FF2B5EF4-FFF2-40B4-BE49-F238E27FC236}">
-                <a16:creationId xmlns:a16="http://schemas.microsoft.com/office/drawing/2014/main" id="{188C120B-6FFA-9C42-80DF-9F19DE9503F4}"/>
-              </a:ext>
-            </a:extLst>
-          </p:cNvPr>
-          <p:cNvSpPr>
-            <a:spLocks noGrp="1"/>
-          </p:cNvSpPr>
-          <p:nvPr>
-            <p:ph type="dt" sz="half" idx="36"/>
-          </p:nvPr>
-        </p:nvSpPr>
-        <p:spPr>
-          <a:xfrm>
-            <a:off x="2992120" y="6332220"/>
-            <a:ext cx="1313180" cy="247651"/>
-          </a:xfrm>
-        </p:spPr>
-        <p:txBody>
-          <a:bodyPr/>
-          <a:lstStyle/>
-          <a:p>
-            <a:fld id="{6FCA8E82-58CD-E045-8B98-B7A85B79B752}" type="datetime4">
-              <a:rPr lang="en-US" smtClean="0"/>
-              <a:pPr/>
-              <a:t>September 28, 2021</a:t>
-            </a:fld>
-            <a:endParaRPr lang="en-US" dirty="0"/>
-          </a:p>
-        </p:txBody>
-      </p:sp>
-    </p:spTree>
-    <p:extLst>
-      <p:ext uri="{BB962C8B-B14F-4D97-AF65-F5344CB8AC3E}">
-        <p14:creationId xmlns:p14="http://schemas.microsoft.com/office/powerpoint/2010/main" val="2509101887"/>
-      </p:ext>
-    </p:extLst>
-  </p:cSld>
-  <p:clrMapOvr>
-    <a:masterClrMapping/>
-  </p:clrMapOvr>
-</p:sld>
-</file>
-
-<file path=ppt/slides/slide12.xml><?xml version="1.0" encoding="utf-8"?>
-<p:sld xmlns:a="http://schemas.openxmlformats.org/drawingml/2006/main" xmlns:r="http://schemas.openxmlformats.org/officeDocument/2006/relationships" xmlns:p="http://schemas.openxmlformats.org/presentationml/2006/main">
-  <p:cSld>
-    <p:spTree>
-      <p:nvGrpSpPr>
-        <p:cNvPr id="1" name=""/>
-        <p:cNvGrpSpPr/>
-        <p:nvPr/>
-      </p:nvGrpSpPr>
-      <p:grpSpPr>
-        <a:xfrm>
-          <a:off x="0" y="0"/>
-          <a:ext cx="0" cy="0"/>
-          <a:chOff x="0" y="0"/>
-          <a:chExt cx="0" cy="0"/>
-        </a:xfrm>
-      </p:grpSpPr>
-      <p:sp>
-        <p:nvSpPr>
-          <p:cNvPr id="2" name="Title 1">
-            <a:extLst>
-              <a:ext uri="{FF2B5EF4-FFF2-40B4-BE49-F238E27FC236}">
-                <a16:creationId xmlns:a16="http://schemas.microsoft.com/office/drawing/2014/main" id="{68F0FA04-6227-9040-92A6-9514A59B8E7B}"/>
-              </a:ext>
-            </a:extLst>
-          </p:cNvPr>
-          <p:cNvSpPr>
-            <a:spLocks noGrp="1"/>
-          </p:cNvSpPr>
-          <p:nvPr>
-            <p:ph type="title"/>
-          </p:nvPr>
-        </p:nvSpPr>
-        <p:spPr/>
-        <p:txBody>
-          <a:bodyPr/>
-          <a:lstStyle/>
-          <a:p>
-            <a:r>
-              <a:rPr lang="en-US" dirty="0"/>
-              <a:t>Goals for Q1</a:t>
-            </a:r>
-          </a:p>
-        </p:txBody>
-      </p:sp>
-      <p:sp>
-        <p:nvSpPr>
-          <p:cNvPr id="3" name="Text Placeholder 2">
-            <a:extLst>
-              <a:ext uri="{FF2B5EF4-FFF2-40B4-BE49-F238E27FC236}">
-                <a16:creationId xmlns:a16="http://schemas.microsoft.com/office/drawing/2014/main" id="{9CD657E5-4675-E84E-840E-4F6D4868C5A9}"/>
-              </a:ext>
-            </a:extLst>
-          </p:cNvPr>
-          <p:cNvSpPr>
-            <a:spLocks noGrp="1"/>
-          </p:cNvSpPr>
-          <p:nvPr>
-            <p:ph type="body" idx="1"/>
-          </p:nvPr>
-        </p:nvSpPr>
-        <p:spPr/>
-        <p:txBody>
-          <a:bodyPr/>
-          <a:lstStyle/>
-          <a:p>
-            <a:r>
-              <a:rPr lang="en-US" dirty="0"/>
-              <a:t>Business priorities</a:t>
-            </a:r>
-          </a:p>
-        </p:txBody>
-      </p:sp>
-      <p:sp>
-        <p:nvSpPr>
-          <p:cNvPr id="5" name="Content Placeholder 4">
-            <a:extLst>
-              <a:ext uri="{FF2B5EF4-FFF2-40B4-BE49-F238E27FC236}">
-                <a16:creationId xmlns:a16="http://schemas.microsoft.com/office/drawing/2014/main" id="{0B4B9306-DDC0-AD4F-A9C2-739C6AEB0172}"/>
-              </a:ext>
-            </a:extLst>
-          </p:cNvPr>
-          <p:cNvSpPr>
-            <a:spLocks noGrp="1"/>
-          </p:cNvSpPr>
-          <p:nvPr>
-            <p:ph sz="half" idx="2"/>
-          </p:nvPr>
-        </p:nvSpPr>
-        <p:spPr>
-          <a:xfrm>
-            <a:off x="964023" y="2786446"/>
-            <a:ext cx="4827178" cy="1942138"/>
-          </a:xfrm>
-        </p:spPr>
-        <p:txBody>
-          <a:bodyPr/>
-          <a:lstStyle/>
-          <a:p>
-            <a:r>
-              <a:rPr lang="en-US" dirty="0"/>
-              <a:t>Increase customer satisfaction by 2%</a:t>
-            </a:r>
-          </a:p>
-          <a:p>
-            <a:r>
-              <a:rPr lang="en-US" dirty="0"/>
-              <a:t>Maintain growth</a:t>
-            </a:r>
-          </a:p>
-          <a:p>
-            <a:r>
-              <a:rPr lang="en-US" dirty="0"/>
-              <a:t>Diversify investment in sector 2</a:t>
-            </a:r>
-          </a:p>
-          <a:p>
-            <a:r>
-              <a:rPr lang="en-US" dirty="0"/>
-              <a:t>Initiative partnership with 3</a:t>
-            </a:r>
-            <a:r>
-              <a:rPr lang="en-US" baseline="30000" dirty="0"/>
-              <a:t>rd</a:t>
-            </a:r>
-            <a:r>
-              <a:rPr lang="en-US" dirty="0"/>
-              <a:t> party organizations</a:t>
-            </a:r>
-          </a:p>
-          <a:p>
-            <a:pPr marL="0" indent="0">
-              <a:buNone/>
-            </a:pPr>
-            <a:endParaRPr lang="en-US" dirty="0"/>
-          </a:p>
-          <a:p>
-            <a:endParaRPr lang="en-US" dirty="0"/>
-          </a:p>
-        </p:txBody>
-      </p:sp>
-      <p:sp>
-        <p:nvSpPr>
-          <p:cNvPr id="4" name="Text Placeholder 3">
-            <a:extLst>
-              <a:ext uri="{FF2B5EF4-FFF2-40B4-BE49-F238E27FC236}">
-                <a16:creationId xmlns:a16="http://schemas.microsoft.com/office/drawing/2014/main" id="{6AF03CC0-7DA0-ED4F-B612-580E138D588A}"/>
-              </a:ext>
-            </a:extLst>
-          </p:cNvPr>
-          <p:cNvSpPr>
-            <a:spLocks noGrp="1"/>
-          </p:cNvSpPr>
-          <p:nvPr>
-            <p:ph type="body" idx="10"/>
-          </p:nvPr>
-        </p:nvSpPr>
-        <p:spPr/>
-        <p:txBody>
-          <a:bodyPr/>
-          <a:lstStyle/>
-          <a:p>
-            <a:r>
-              <a:rPr lang="en-US" dirty="0"/>
-              <a:t>Employee opportunities</a:t>
-            </a:r>
-          </a:p>
-        </p:txBody>
-      </p:sp>
-      <p:sp>
-        <p:nvSpPr>
-          <p:cNvPr id="6" name="Content Placeholder 5">
-            <a:extLst>
-              <a:ext uri="{FF2B5EF4-FFF2-40B4-BE49-F238E27FC236}">
-                <a16:creationId xmlns:a16="http://schemas.microsoft.com/office/drawing/2014/main" id="{B7D8EEE0-6E1C-9F47-936F-25FCC2FC368C}"/>
-              </a:ext>
-            </a:extLst>
-          </p:cNvPr>
-          <p:cNvSpPr>
-            <a:spLocks noGrp="1"/>
-          </p:cNvSpPr>
-          <p:nvPr>
-            <p:ph sz="half" idx="13"/>
-          </p:nvPr>
-        </p:nvSpPr>
-        <p:spPr/>
-        <p:txBody>
-          <a:bodyPr/>
-          <a:lstStyle/>
-          <a:p>
-            <a:r>
-              <a:rPr lang="en-US" dirty="0"/>
-              <a:t>End of fiscal celebration on July 15</a:t>
-            </a:r>
-            <a:r>
-              <a:rPr lang="en-US" baseline="30000" dirty="0"/>
-              <a:t>th</a:t>
-            </a:r>
-            <a:r>
-              <a:rPr lang="en-US" dirty="0"/>
-              <a:t> </a:t>
-            </a:r>
-          </a:p>
-          <a:p>
-            <a:r>
-              <a:rPr lang="en-US" dirty="0"/>
-              <a:t>Employee day of learning on August 14</a:t>
-            </a:r>
-            <a:r>
-              <a:rPr lang="en-US" baseline="30000" dirty="0"/>
-              <a:t>th </a:t>
-            </a:r>
-          </a:p>
-          <a:p>
-            <a:r>
-              <a:rPr lang="en-US" dirty="0"/>
-              <a:t>Employee Yoga on September 3</a:t>
-            </a:r>
-            <a:r>
-              <a:rPr lang="en-US" baseline="30000" dirty="0"/>
-              <a:t>rd</a:t>
-            </a:r>
-            <a:r>
-              <a:rPr lang="en-US" dirty="0"/>
-              <a:t> </a:t>
-            </a:r>
-          </a:p>
-          <a:p>
-            <a:r>
-              <a:rPr lang="en-US" dirty="0"/>
-              <a:t>Seminar series begins September 10</a:t>
-            </a:r>
-            <a:r>
-              <a:rPr lang="en-US" baseline="30000" dirty="0"/>
-              <a:t>th</a:t>
-            </a:r>
-            <a:r>
-              <a:rPr lang="en-US" dirty="0"/>
-              <a:t> </a:t>
-            </a:r>
-          </a:p>
-          <a:p>
-            <a:pPr marL="0" indent="0">
-              <a:buNone/>
-            </a:pPr>
-            <a:endParaRPr lang="en-US" dirty="0"/>
-          </a:p>
-        </p:txBody>
-      </p:sp>
-      <p:sp>
-        <p:nvSpPr>
-          <p:cNvPr id="9" name="Slide Number Placeholder 8">
-            <a:extLst>
-              <a:ext uri="{FF2B5EF4-FFF2-40B4-BE49-F238E27FC236}">
-                <a16:creationId xmlns:a16="http://schemas.microsoft.com/office/drawing/2014/main" id="{9A5802D8-6C81-6C4F-97CF-C1F2344EE894}"/>
-              </a:ext>
-            </a:extLst>
-          </p:cNvPr>
-          <p:cNvSpPr>
-            <a:spLocks noGrp="1"/>
-          </p:cNvSpPr>
-          <p:nvPr>
-            <p:ph type="sldNum" sz="quarter" idx="16"/>
-          </p:nvPr>
-        </p:nvSpPr>
-        <p:spPr>
-          <a:xfrm>
-            <a:off x="971550" y="6332220"/>
-            <a:ext cx="523240" cy="247651"/>
-          </a:xfrm>
-        </p:spPr>
-        <p:txBody>
-          <a:bodyPr/>
-          <a:lstStyle/>
-          <a:p>
-            <a:pPr algn="l"/>
-            <a:fld id="{294A09A9-5501-47C1-A89A-A340965A2BE2}" type="slidenum">
-              <a:rPr lang="en-US" smtClean="0"/>
-              <a:pPr algn="l"/>
-              <a:t>12</a:t>
-            </a:fld>
-            <a:endParaRPr lang="en-US" dirty="0"/>
-          </a:p>
-        </p:txBody>
-      </p:sp>
-      <p:sp>
-        <p:nvSpPr>
-          <p:cNvPr id="8" name="Footer Placeholder 7">
-            <a:extLst>
-              <a:ext uri="{FF2B5EF4-FFF2-40B4-BE49-F238E27FC236}">
-                <a16:creationId xmlns:a16="http://schemas.microsoft.com/office/drawing/2014/main" id="{2A659727-BBB9-9B49-BCA1-694F74F717C4}"/>
-              </a:ext>
-            </a:extLst>
-          </p:cNvPr>
-          <p:cNvSpPr>
-            <a:spLocks noGrp="1"/>
-          </p:cNvSpPr>
-          <p:nvPr>
-            <p:ph type="ftr" sz="quarter" idx="15"/>
-          </p:nvPr>
-        </p:nvSpPr>
-        <p:spPr>
-          <a:xfrm>
-            <a:off x="1494790" y="6332220"/>
-            <a:ext cx="1497330" cy="247651"/>
-          </a:xfrm>
-        </p:spPr>
-        <p:txBody>
-          <a:bodyPr/>
-          <a:lstStyle/>
-          <a:p>
-            <a:r>
-              <a:rPr lang="en-US" dirty="0"/>
-              <a:t>Annual Review</a:t>
-            </a:r>
-            <a:endParaRPr lang="en-US" sz="1100" dirty="0"/>
-          </a:p>
-        </p:txBody>
-      </p:sp>
-      <p:sp>
-        <p:nvSpPr>
-          <p:cNvPr id="7" name="Date Placeholder 6">
-            <a:extLst>
-              <a:ext uri="{FF2B5EF4-FFF2-40B4-BE49-F238E27FC236}">
-                <a16:creationId xmlns:a16="http://schemas.microsoft.com/office/drawing/2014/main" id="{99E44123-0AF5-4A4C-B0C7-BB7409DE8161}"/>
-              </a:ext>
-            </a:extLst>
-          </p:cNvPr>
-          <p:cNvSpPr>
-            <a:spLocks noGrp="1"/>
-          </p:cNvSpPr>
-          <p:nvPr>
-            <p:ph type="dt" sz="half" idx="14"/>
-          </p:nvPr>
-        </p:nvSpPr>
-        <p:spPr>
-          <a:xfrm>
-            <a:off x="2992120" y="6332220"/>
-            <a:ext cx="1313180" cy="247651"/>
-          </a:xfrm>
-        </p:spPr>
-        <p:txBody>
-          <a:bodyPr/>
-          <a:lstStyle/>
-          <a:p>
-            <a:fld id="{6FCA8E82-58CD-E045-8B98-B7A85B79B752}" type="datetime4">
-              <a:rPr lang="en-US" smtClean="0"/>
-              <a:pPr/>
-              <a:t>September 28, 2021</a:t>
-            </a:fld>
-            <a:endParaRPr lang="en-US" sz="1100" dirty="0"/>
-          </a:p>
-        </p:txBody>
-      </p:sp>
-    </p:spTree>
-    <p:extLst>
-      <p:ext uri="{BB962C8B-B14F-4D97-AF65-F5344CB8AC3E}">
-        <p14:creationId xmlns:p14="http://schemas.microsoft.com/office/powerpoint/2010/main" val="767675903"/>
-      </p:ext>
-    </p:extLst>
-  </p:cSld>
-  <p:clrMapOvr>
-    <a:masterClrMapping/>
-  </p:clrMapOvr>
-</p:sld>
-</file>
-
-<file path=ppt/slides/slide13.xml><?xml version="1.0" encoding="utf-8"?>
-<p:sld xmlns:a="http://schemas.openxmlformats.org/drawingml/2006/main" xmlns:r="http://schemas.openxmlformats.org/officeDocument/2006/relationships" xmlns:p="http://schemas.openxmlformats.org/presentationml/2006/main">
-  <p:cSld>
-    <p:spTree>
-      <p:nvGrpSpPr>
-        <p:cNvPr id="1" name=""/>
-        <p:cNvGrpSpPr/>
-        <p:nvPr/>
-      </p:nvGrpSpPr>
-      <p:grpSpPr>
-        <a:xfrm>
-          <a:off x="0" y="0"/>
-          <a:ext cx="0" cy="0"/>
-          <a:chOff x="0" y="0"/>
-          <a:chExt cx="0" cy="0"/>
-        </a:xfrm>
-      </p:grpSpPr>
-      <p:sp>
-        <p:nvSpPr>
-          <p:cNvPr id="2" name="Title 1">
-            <a:extLst>
-              <a:ext uri="{FF2B5EF4-FFF2-40B4-BE49-F238E27FC236}">
-                <a16:creationId xmlns:a16="http://schemas.microsoft.com/office/drawing/2014/main" id="{C18026B5-2F88-BA48-A996-4A13FDFAA43A}"/>
-              </a:ext>
-            </a:extLst>
-          </p:cNvPr>
-          <p:cNvSpPr>
-            <a:spLocks noGrp="1"/>
-          </p:cNvSpPr>
-          <p:nvPr>
-            <p:ph type="title"/>
-          </p:nvPr>
-        </p:nvSpPr>
-        <p:spPr/>
-        <p:txBody>
-          <a:bodyPr/>
-          <a:lstStyle/>
-          <a:p>
-            <a:r>
-              <a:rPr lang="en-US" dirty="0"/>
-              <a:t>Goals for Q2</a:t>
-            </a:r>
-          </a:p>
-        </p:txBody>
-      </p:sp>
-      <p:sp>
-        <p:nvSpPr>
-          <p:cNvPr id="3" name="Text Placeholder 2">
-            <a:extLst>
-              <a:ext uri="{FF2B5EF4-FFF2-40B4-BE49-F238E27FC236}">
-                <a16:creationId xmlns:a16="http://schemas.microsoft.com/office/drawing/2014/main" id="{A5ABDF8F-0AD5-5C43-9EF3-8679B9897E01}"/>
-              </a:ext>
-            </a:extLst>
-          </p:cNvPr>
-          <p:cNvSpPr>
-            <a:spLocks noGrp="1"/>
-          </p:cNvSpPr>
-          <p:nvPr>
-            <p:ph type="body" idx="1"/>
-          </p:nvPr>
-        </p:nvSpPr>
-        <p:spPr/>
-        <p:txBody>
-          <a:bodyPr/>
-          <a:lstStyle/>
-          <a:p>
-            <a:r>
-              <a:rPr lang="en-US" dirty="0"/>
-              <a:t>Business priorities</a:t>
-            </a:r>
-          </a:p>
-        </p:txBody>
-      </p:sp>
-      <p:sp>
-        <p:nvSpPr>
-          <p:cNvPr id="4" name="Content Placeholder 3">
-            <a:extLst>
-              <a:ext uri="{FF2B5EF4-FFF2-40B4-BE49-F238E27FC236}">
-                <a16:creationId xmlns:a16="http://schemas.microsoft.com/office/drawing/2014/main" id="{7782A119-28D1-B54D-A879-A0DDEC296674}"/>
-              </a:ext>
-            </a:extLst>
-          </p:cNvPr>
-          <p:cNvSpPr>
-            <a:spLocks noGrp="1"/>
-          </p:cNvSpPr>
-          <p:nvPr>
-            <p:ph sz="half" idx="2"/>
-          </p:nvPr>
-        </p:nvSpPr>
-        <p:spPr>
-          <a:xfrm>
-            <a:off x="952500" y="2786446"/>
-            <a:ext cx="3036477" cy="1942138"/>
-          </a:xfrm>
-        </p:spPr>
-        <p:txBody>
-          <a:bodyPr/>
-          <a:lstStyle/>
-          <a:p>
-            <a:r>
-              <a:rPr lang="en-US" dirty="0"/>
-              <a:t>Increase customer satisfaction </a:t>
-            </a:r>
-            <a:br>
-              <a:rPr lang="en-US" dirty="0"/>
-            </a:br>
-            <a:r>
-              <a:rPr lang="en-US" dirty="0"/>
-              <a:t>by 2%</a:t>
-            </a:r>
-          </a:p>
-          <a:p>
-            <a:r>
-              <a:rPr lang="en-US" dirty="0"/>
-              <a:t>Maintain growth</a:t>
-            </a:r>
-          </a:p>
-          <a:p>
-            <a:pPr marL="0" indent="0">
-              <a:buNone/>
-            </a:pPr>
-            <a:endParaRPr lang="en-US" dirty="0"/>
-          </a:p>
-          <a:p>
-            <a:endParaRPr lang="en-US" dirty="0"/>
-          </a:p>
-        </p:txBody>
-      </p:sp>
-      <p:sp>
-        <p:nvSpPr>
-          <p:cNvPr id="5" name="Text Placeholder 4">
-            <a:extLst>
-              <a:ext uri="{FF2B5EF4-FFF2-40B4-BE49-F238E27FC236}">
-                <a16:creationId xmlns:a16="http://schemas.microsoft.com/office/drawing/2014/main" id="{B55E5840-ED0D-0349-88F3-4E90A0094985}"/>
-              </a:ext>
-            </a:extLst>
-          </p:cNvPr>
-          <p:cNvSpPr>
-            <a:spLocks noGrp="1"/>
-          </p:cNvSpPr>
-          <p:nvPr>
-            <p:ph type="body" idx="10"/>
-          </p:nvPr>
-        </p:nvSpPr>
-        <p:spPr/>
-        <p:txBody>
-          <a:bodyPr/>
-          <a:lstStyle/>
-          <a:p>
-            <a:r>
-              <a:rPr lang="en-US" dirty="0"/>
-              <a:t>Added priorities</a:t>
-            </a:r>
-          </a:p>
-        </p:txBody>
-      </p:sp>
-      <p:sp>
-        <p:nvSpPr>
-          <p:cNvPr id="6" name="Content Placeholder 5">
-            <a:extLst>
-              <a:ext uri="{FF2B5EF4-FFF2-40B4-BE49-F238E27FC236}">
-                <a16:creationId xmlns:a16="http://schemas.microsoft.com/office/drawing/2014/main" id="{34801285-85FB-FD43-9631-322998389AF0}"/>
-              </a:ext>
-            </a:extLst>
-          </p:cNvPr>
-          <p:cNvSpPr>
-            <a:spLocks noGrp="1"/>
-          </p:cNvSpPr>
-          <p:nvPr>
-            <p:ph sz="half" idx="11"/>
-          </p:nvPr>
-        </p:nvSpPr>
-        <p:spPr/>
-        <p:txBody>
-          <a:bodyPr/>
-          <a:lstStyle/>
-          <a:p>
-            <a:r>
-              <a:rPr lang="en-US" dirty="0"/>
-              <a:t>Decrease the number of rotations </a:t>
-            </a:r>
-            <a:br>
-              <a:rPr lang="en-US" dirty="0"/>
-            </a:br>
-            <a:r>
-              <a:rPr lang="en-US" dirty="0"/>
-              <a:t>by at least 2</a:t>
-            </a:r>
-          </a:p>
-          <a:p>
-            <a:r>
-              <a:rPr lang="en-US" dirty="0"/>
-              <a:t>Ensure the cost of development stays below budget</a:t>
-            </a:r>
-          </a:p>
-        </p:txBody>
-      </p:sp>
-      <p:sp>
-        <p:nvSpPr>
-          <p:cNvPr id="7" name="Text Placeholder 6">
-            <a:extLst>
-              <a:ext uri="{FF2B5EF4-FFF2-40B4-BE49-F238E27FC236}">
-                <a16:creationId xmlns:a16="http://schemas.microsoft.com/office/drawing/2014/main" id="{8820E658-15B8-6C4B-A736-3D894774670E}"/>
-              </a:ext>
-            </a:extLst>
-          </p:cNvPr>
-          <p:cNvSpPr>
-            <a:spLocks noGrp="1"/>
-          </p:cNvSpPr>
-          <p:nvPr>
-            <p:ph type="body" idx="12"/>
-          </p:nvPr>
-        </p:nvSpPr>
-        <p:spPr/>
-        <p:txBody>
-          <a:bodyPr/>
-          <a:lstStyle/>
-          <a:p>
-            <a:r>
-              <a:rPr lang="en-US" dirty="0"/>
-              <a:t>Employee opportunities</a:t>
-            </a:r>
-          </a:p>
-        </p:txBody>
-      </p:sp>
-      <p:sp>
-        <p:nvSpPr>
-          <p:cNvPr id="8" name="Content Placeholder 7">
-            <a:extLst>
-              <a:ext uri="{FF2B5EF4-FFF2-40B4-BE49-F238E27FC236}">
-                <a16:creationId xmlns:a16="http://schemas.microsoft.com/office/drawing/2014/main" id="{7F52F621-1B1F-5E49-939F-12BD1A0FD522}"/>
-              </a:ext>
-            </a:extLst>
-          </p:cNvPr>
-          <p:cNvSpPr>
-            <a:spLocks noGrp="1"/>
-          </p:cNvSpPr>
-          <p:nvPr>
-            <p:ph sz="half" idx="13"/>
-          </p:nvPr>
-        </p:nvSpPr>
-        <p:spPr/>
-        <p:txBody>
-          <a:bodyPr/>
-          <a:lstStyle/>
-          <a:p>
-            <a:r>
-              <a:rPr lang="en-US" dirty="0"/>
-              <a:t>Interns begin</a:t>
-            </a:r>
-          </a:p>
-          <a:p>
-            <a:r>
-              <a:rPr lang="en-US" dirty="0"/>
-              <a:t>Indoor rec leagues</a:t>
-            </a:r>
-          </a:p>
-          <a:p>
-            <a:r>
-              <a:rPr lang="en-US" dirty="0"/>
-              <a:t>Chess tournaments</a:t>
-            </a:r>
-          </a:p>
-          <a:p>
-            <a:r>
-              <a:rPr lang="en-US" dirty="0"/>
-              <a:t>Big Game watching party</a:t>
-            </a:r>
-          </a:p>
-          <a:p>
-            <a:r>
-              <a:rPr lang="en-US" dirty="0"/>
-              <a:t>Food drive</a:t>
-            </a:r>
-          </a:p>
-          <a:p>
-            <a:pPr marL="0" indent="0">
-              <a:buNone/>
-            </a:pPr>
-            <a:endParaRPr lang="en-US" dirty="0"/>
-          </a:p>
-          <a:p>
-            <a:pPr marL="0" indent="0">
-              <a:buNone/>
-            </a:pPr>
-            <a:endParaRPr lang="en-US" dirty="0"/>
-          </a:p>
-          <a:p>
-            <a:endParaRPr lang="en-US" dirty="0"/>
-          </a:p>
-        </p:txBody>
-      </p:sp>
-      <p:sp>
-        <p:nvSpPr>
-          <p:cNvPr id="11" name="Slide Number Placeholder 10">
-            <a:extLst>
-              <a:ext uri="{FF2B5EF4-FFF2-40B4-BE49-F238E27FC236}">
-                <a16:creationId xmlns:a16="http://schemas.microsoft.com/office/drawing/2014/main" id="{8B50C3FA-D20D-3049-9C7F-6F37D4E022C5}"/>
-              </a:ext>
-            </a:extLst>
-          </p:cNvPr>
-          <p:cNvSpPr>
-            <a:spLocks noGrp="1"/>
-          </p:cNvSpPr>
-          <p:nvPr>
-            <p:ph type="sldNum" sz="quarter" idx="16"/>
-          </p:nvPr>
-        </p:nvSpPr>
-        <p:spPr>
-          <a:xfrm>
-            <a:off x="971550" y="6332220"/>
-            <a:ext cx="523240" cy="247651"/>
-          </a:xfrm>
-        </p:spPr>
-        <p:txBody>
-          <a:bodyPr/>
-          <a:lstStyle/>
-          <a:p>
-            <a:pPr algn="l"/>
-            <a:fld id="{294A09A9-5501-47C1-A89A-A340965A2BE2}" type="slidenum">
-              <a:rPr lang="en-US" smtClean="0"/>
-              <a:pPr algn="l"/>
-              <a:t>13</a:t>
-            </a:fld>
-            <a:endParaRPr lang="en-US" dirty="0"/>
-          </a:p>
-        </p:txBody>
-      </p:sp>
-      <p:sp>
-        <p:nvSpPr>
-          <p:cNvPr id="10" name="Footer Placeholder 9">
-            <a:extLst>
-              <a:ext uri="{FF2B5EF4-FFF2-40B4-BE49-F238E27FC236}">
-                <a16:creationId xmlns:a16="http://schemas.microsoft.com/office/drawing/2014/main" id="{56278D20-060E-1942-9A72-E600C02A8208}"/>
-              </a:ext>
-            </a:extLst>
-          </p:cNvPr>
-          <p:cNvSpPr>
-            <a:spLocks noGrp="1"/>
-          </p:cNvSpPr>
-          <p:nvPr>
-            <p:ph type="ftr" sz="quarter" idx="15"/>
-          </p:nvPr>
-        </p:nvSpPr>
-        <p:spPr>
-          <a:xfrm>
-            <a:off x="1494790" y="6332220"/>
-            <a:ext cx="1497330" cy="247651"/>
-          </a:xfrm>
-        </p:spPr>
-        <p:txBody>
-          <a:bodyPr/>
-          <a:lstStyle/>
-          <a:p>
-            <a:r>
-              <a:rPr lang="en-US" dirty="0"/>
-              <a:t>Annual Review</a:t>
-            </a:r>
-            <a:endParaRPr lang="en-US" sz="1100" dirty="0"/>
-          </a:p>
-        </p:txBody>
-      </p:sp>
-      <p:sp>
-        <p:nvSpPr>
-          <p:cNvPr id="9" name="Date Placeholder 8">
-            <a:extLst>
-              <a:ext uri="{FF2B5EF4-FFF2-40B4-BE49-F238E27FC236}">
-                <a16:creationId xmlns:a16="http://schemas.microsoft.com/office/drawing/2014/main" id="{AFD06229-BFA1-7D4D-B1E0-0A9F7FBF1F7E}"/>
-              </a:ext>
-            </a:extLst>
-          </p:cNvPr>
-          <p:cNvSpPr>
-            <a:spLocks noGrp="1"/>
-          </p:cNvSpPr>
-          <p:nvPr>
-            <p:ph type="dt" sz="half" idx="14"/>
-          </p:nvPr>
-        </p:nvSpPr>
-        <p:spPr>
-          <a:xfrm>
-            <a:off x="2992120" y="6332220"/>
-            <a:ext cx="1313180" cy="247651"/>
-          </a:xfrm>
-        </p:spPr>
-        <p:txBody>
-          <a:bodyPr/>
-          <a:lstStyle/>
-          <a:p>
-            <a:fld id="{6FCA8E82-58CD-E045-8B98-B7A85B79B752}" type="datetime4">
-              <a:rPr lang="en-US" smtClean="0"/>
-              <a:pPr/>
-              <a:t>September 28, 2021</a:t>
-            </a:fld>
-            <a:endParaRPr lang="en-US" sz="1100" dirty="0"/>
-          </a:p>
-        </p:txBody>
-      </p:sp>
-    </p:spTree>
-    <p:extLst>
-      <p:ext uri="{BB962C8B-B14F-4D97-AF65-F5344CB8AC3E}">
-        <p14:creationId xmlns:p14="http://schemas.microsoft.com/office/powerpoint/2010/main" val="495483412"/>
-      </p:ext>
-    </p:extLst>
-  </p:cSld>
-  <p:clrMapOvr>
-    <a:masterClrMapping/>
-  </p:clrMapOvr>
-</p:sld>
-</file>
-
-<file path=ppt/slides/slide14.xml><?xml version="1.0" encoding="utf-8"?>
-<p:sld xmlns:a="http://schemas.openxmlformats.org/drawingml/2006/main" xmlns:r="http://schemas.openxmlformats.org/officeDocument/2006/relationships" xmlns:p="http://schemas.openxmlformats.org/presentationml/2006/main">
-  <p:cSld>
-    <p:spTree>
-      <p:nvGrpSpPr>
-        <p:cNvPr id="1" name=""/>
-        <p:cNvGrpSpPr/>
-        <p:nvPr/>
-      </p:nvGrpSpPr>
-      <p:grpSpPr>
-        <a:xfrm>
-          <a:off x="0" y="0"/>
-          <a:ext cx="0" cy="0"/>
-          <a:chOff x="0" y="0"/>
-          <a:chExt cx="0" cy="0"/>
-        </a:xfrm>
-      </p:grpSpPr>
-      <p:sp>
-        <p:nvSpPr>
-          <p:cNvPr id="2" name="Title 1">
-            <a:extLst>
-              <a:ext uri="{FF2B5EF4-FFF2-40B4-BE49-F238E27FC236}">
-                <a16:creationId xmlns:a16="http://schemas.microsoft.com/office/drawing/2014/main" id="{8C122DF8-59D4-D94D-8ED9-F2F319899DBF}"/>
-              </a:ext>
-            </a:extLst>
-          </p:cNvPr>
-          <p:cNvSpPr>
-            <a:spLocks noGrp="1"/>
-          </p:cNvSpPr>
-          <p:nvPr>
-            <p:ph type="title"/>
-          </p:nvPr>
-        </p:nvSpPr>
-        <p:spPr/>
-        <p:txBody>
-          <a:bodyPr/>
-          <a:lstStyle/>
-          <a:p>
-            <a:r>
-              <a:rPr lang="en-US" dirty="0"/>
-              <a:t>Summary</a:t>
-            </a:r>
-          </a:p>
-        </p:txBody>
-      </p:sp>
-      <p:sp>
-        <p:nvSpPr>
-          <p:cNvPr id="45" name="Text Placeholder 44">
-            <a:extLst>
-              <a:ext uri="{FF2B5EF4-FFF2-40B4-BE49-F238E27FC236}">
-                <a16:creationId xmlns:a16="http://schemas.microsoft.com/office/drawing/2014/main" id="{803A1E73-C790-447A-974F-B3ADB50149F7}"/>
-              </a:ext>
-            </a:extLst>
-          </p:cNvPr>
-          <p:cNvSpPr>
-            <a:spLocks noGrp="1"/>
-          </p:cNvSpPr>
-          <p:nvPr>
-            <p:ph type="body" sz="quarter" idx="12"/>
-          </p:nvPr>
-        </p:nvSpPr>
-        <p:spPr/>
-        <p:txBody>
-          <a:bodyPr/>
-          <a:lstStyle/>
-          <a:p>
-            <a:r>
-              <a:rPr lang="en-US" dirty="0"/>
-              <a:t>Our business is good</a:t>
-            </a:r>
-          </a:p>
-        </p:txBody>
-      </p:sp>
-      <p:sp>
-        <p:nvSpPr>
-          <p:cNvPr id="44" name="Text Placeholder 43">
-            <a:extLst>
-              <a:ext uri="{FF2B5EF4-FFF2-40B4-BE49-F238E27FC236}">
-                <a16:creationId xmlns:a16="http://schemas.microsoft.com/office/drawing/2014/main" id="{906E4DF9-127F-4650-8BAA-2521A37885B0}"/>
-              </a:ext>
-            </a:extLst>
-          </p:cNvPr>
-          <p:cNvSpPr>
-            <a:spLocks noGrp="1"/>
-          </p:cNvSpPr>
-          <p:nvPr>
-            <p:ph type="body" sz="quarter" idx="10"/>
-          </p:nvPr>
-        </p:nvSpPr>
-        <p:spPr/>
-        <p:txBody>
-          <a:bodyPr/>
-          <a:lstStyle/>
-          <a:p>
-            <a:r>
-              <a:rPr lang="en-US" dirty="0"/>
-              <a:t>Profits are up in the last quarter by 3%</a:t>
-            </a:r>
-          </a:p>
-        </p:txBody>
-      </p:sp>
-      <p:sp>
-        <p:nvSpPr>
-          <p:cNvPr id="47" name="Text Placeholder 46">
-            <a:extLst>
-              <a:ext uri="{FF2B5EF4-FFF2-40B4-BE49-F238E27FC236}">
-                <a16:creationId xmlns:a16="http://schemas.microsoft.com/office/drawing/2014/main" id="{DDA232CE-EB44-41DD-920C-AEDD5C33D2A5}"/>
-              </a:ext>
-            </a:extLst>
-          </p:cNvPr>
-          <p:cNvSpPr>
-            <a:spLocks noGrp="1"/>
-          </p:cNvSpPr>
-          <p:nvPr>
-            <p:ph type="body" sz="quarter" idx="14"/>
-          </p:nvPr>
-        </p:nvSpPr>
-        <p:spPr/>
-        <p:txBody>
-          <a:bodyPr/>
-          <a:lstStyle/>
-          <a:p>
-            <a:r>
-              <a:rPr lang="en-US" dirty="0"/>
-              <a:t>We’re getting our work done</a:t>
-            </a:r>
-          </a:p>
-        </p:txBody>
-      </p:sp>
-      <p:sp>
-        <p:nvSpPr>
-          <p:cNvPr id="46" name="Text Placeholder 45">
-            <a:extLst>
-              <a:ext uri="{FF2B5EF4-FFF2-40B4-BE49-F238E27FC236}">
-                <a16:creationId xmlns:a16="http://schemas.microsoft.com/office/drawing/2014/main" id="{A09D80D2-95FB-43C6-96F8-7EF7737C28BA}"/>
-              </a:ext>
-            </a:extLst>
-          </p:cNvPr>
-          <p:cNvSpPr>
-            <a:spLocks noGrp="1"/>
-          </p:cNvSpPr>
-          <p:nvPr>
-            <p:ph type="body" sz="quarter" idx="13"/>
-          </p:nvPr>
-        </p:nvSpPr>
-        <p:spPr/>
-        <p:txBody>
-          <a:bodyPr/>
-          <a:lstStyle/>
-          <a:p>
-            <a:r>
-              <a:rPr lang="en-US" dirty="0"/>
-              <a:t>We finished the consolidation project</a:t>
-            </a:r>
-          </a:p>
-        </p:txBody>
-      </p:sp>
-      <p:sp>
-        <p:nvSpPr>
-          <p:cNvPr id="49" name="Text Placeholder 48">
-            <a:extLst>
-              <a:ext uri="{FF2B5EF4-FFF2-40B4-BE49-F238E27FC236}">
-                <a16:creationId xmlns:a16="http://schemas.microsoft.com/office/drawing/2014/main" id="{ED796758-F31D-4250-A439-D6DE9523C88B}"/>
-              </a:ext>
-            </a:extLst>
-          </p:cNvPr>
-          <p:cNvSpPr>
-            <a:spLocks noGrp="1"/>
-          </p:cNvSpPr>
-          <p:nvPr>
-            <p:ph type="body" sz="quarter" idx="16"/>
-          </p:nvPr>
-        </p:nvSpPr>
-        <p:spPr/>
-        <p:txBody>
-          <a:bodyPr/>
-          <a:lstStyle/>
-          <a:p>
-            <a:r>
-              <a:rPr lang="en-US" dirty="0"/>
-              <a:t>We’re delivering for our customers</a:t>
-            </a:r>
-          </a:p>
-        </p:txBody>
-      </p:sp>
-      <p:sp>
-        <p:nvSpPr>
-          <p:cNvPr id="48" name="Text Placeholder 47">
-            <a:extLst>
-              <a:ext uri="{FF2B5EF4-FFF2-40B4-BE49-F238E27FC236}">
-                <a16:creationId xmlns:a16="http://schemas.microsoft.com/office/drawing/2014/main" id="{CEBFC0C0-C506-47F0-AE21-8A46DB86644A}"/>
-              </a:ext>
-            </a:extLst>
-          </p:cNvPr>
-          <p:cNvSpPr>
-            <a:spLocks noGrp="1"/>
-          </p:cNvSpPr>
-          <p:nvPr>
-            <p:ph type="body" sz="quarter" idx="15"/>
-          </p:nvPr>
-        </p:nvSpPr>
-        <p:spPr/>
-        <p:txBody>
-          <a:bodyPr/>
-          <a:lstStyle/>
-          <a:p>
-            <a:r>
-              <a:rPr lang="en-US" dirty="0"/>
-              <a:t>Last year we supported thousands of customers and</a:t>
-            </a:r>
-          </a:p>
-          <a:p>
-            <a:r>
-              <a:rPr lang="en-US" dirty="0"/>
-              <a:t>sold 60,000 units</a:t>
-            </a:r>
-          </a:p>
-        </p:txBody>
-      </p:sp>
-      <p:sp>
-        <p:nvSpPr>
-          <p:cNvPr id="51" name="Text Placeholder 50">
-            <a:extLst>
-              <a:ext uri="{FF2B5EF4-FFF2-40B4-BE49-F238E27FC236}">
-                <a16:creationId xmlns:a16="http://schemas.microsoft.com/office/drawing/2014/main" id="{D582AC9C-B267-4C04-9E50-051DE433538C}"/>
-              </a:ext>
-            </a:extLst>
-          </p:cNvPr>
-          <p:cNvSpPr>
-            <a:spLocks noGrp="1"/>
-          </p:cNvSpPr>
-          <p:nvPr>
-            <p:ph type="body" sz="quarter" idx="18"/>
-          </p:nvPr>
-        </p:nvSpPr>
-        <p:spPr/>
-        <p:txBody>
-          <a:bodyPr/>
-          <a:lstStyle/>
-          <a:p>
-            <a:r>
-              <a:rPr lang="en-US" dirty="0"/>
-              <a:t>Our customers keep coming back</a:t>
-            </a:r>
-          </a:p>
-        </p:txBody>
-      </p:sp>
-      <p:sp>
-        <p:nvSpPr>
-          <p:cNvPr id="50" name="Text Placeholder 49">
-            <a:extLst>
-              <a:ext uri="{FF2B5EF4-FFF2-40B4-BE49-F238E27FC236}">
-                <a16:creationId xmlns:a16="http://schemas.microsoft.com/office/drawing/2014/main" id="{C60A09F8-DA84-487F-81AC-337BE4A9F35B}"/>
-              </a:ext>
-            </a:extLst>
-          </p:cNvPr>
-          <p:cNvSpPr>
-            <a:spLocks noGrp="1"/>
-          </p:cNvSpPr>
-          <p:nvPr>
-            <p:ph type="body" sz="quarter" idx="17"/>
-          </p:nvPr>
-        </p:nvSpPr>
-        <p:spPr/>
-        <p:txBody>
-          <a:bodyPr/>
-          <a:lstStyle/>
-          <a:p>
-            <a:r>
-              <a:rPr lang="en-US" dirty="0"/>
-              <a:t>We increased customer retention by 4%</a:t>
-            </a:r>
-          </a:p>
-        </p:txBody>
-      </p:sp>
-      <p:sp>
-        <p:nvSpPr>
-          <p:cNvPr id="53" name="Text Placeholder 52">
-            <a:extLst>
-              <a:ext uri="{FF2B5EF4-FFF2-40B4-BE49-F238E27FC236}">
-                <a16:creationId xmlns:a16="http://schemas.microsoft.com/office/drawing/2014/main" id="{A1B673DD-4FEC-4191-8446-77B89805FF2B}"/>
-              </a:ext>
-            </a:extLst>
-          </p:cNvPr>
-          <p:cNvSpPr>
-            <a:spLocks noGrp="1"/>
-          </p:cNvSpPr>
-          <p:nvPr>
-            <p:ph type="body" sz="quarter" idx="20"/>
-          </p:nvPr>
-        </p:nvSpPr>
-        <p:spPr/>
-        <p:txBody>
-          <a:bodyPr/>
-          <a:lstStyle/>
-          <a:p>
-            <a:r>
-              <a:rPr lang="en-US" dirty="0"/>
-              <a:t>We’re leaders</a:t>
-            </a:r>
-          </a:p>
-        </p:txBody>
-      </p:sp>
-      <p:sp>
-        <p:nvSpPr>
-          <p:cNvPr id="52" name="Text Placeholder 51">
-            <a:extLst>
-              <a:ext uri="{FF2B5EF4-FFF2-40B4-BE49-F238E27FC236}">
-                <a16:creationId xmlns:a16="http://schemas.microsoft.com/office/drawing/2014/main" id="{1E84004F-53E7-47E5-A493-1980475C42D4}"/>
-              </a:ext>
-            </a:extLst>
-          </p:cNvPr>
-          <p:cNvSpPr>
-            <a:spLocks noGrp="1"/>
-          </p:cNvSpPr>
-          <p:nvPr>
-            <p:ph type="body" sz="quarter" idx="19"/>
-          </p:nvPr>
-        </p:nvSpPr>
-        <p:spPr/>
-        <p:txBody>
-          <a:bodyPr/>
-          <a:lstStyle/>
-          <a:p>
-            <a:r>
-              <a:rPr lang="en-US" dirty="0"/>
-              <a:t>We are top leaders in the industry</a:t>
-            </a:r>
-          </a:p>
-          <a:p>
-            <a:r>
-              <a:rPr lang="en-US" dirty="0"/>
-              <a:t>across the board</a:t>
-            </a:r>
-          </a:p>
-        </p:txBody>
-      </p:sp>
-      <p:sp>
-        <p:nvSpPr>
-          <p:cNvPr id="5" name="Slide Number Placeholder 4">
-            <a:extLst>
-              <a:ext uri="{FF2B5EF4-FFF2-40B4-BE49-F238E27FC236}">
-                <a16:creationId xmlns:a16="http://schemas.microsoft.com/office/drawing/2014/main" id="{AB744071-0CE2-7746-9315-22EC28A0F462}"/>
-              </a:ext>
-            </a:extLst>
-          </p:cNvPr>
-          <p:cNvSpPr>
-            <a:spLocks noGrp="1"/>
-          </p:cNvSpPr>
-          <p:nvPr>
-            <p:ph type="sldNum" sz="quarter" idx="23"/>
-          </p:nvPr>
-        </p:nvSpPr>
-        <p:spPr>
-          <a:xfrm>
-            <a:off x="971550" y="6332220"/>
-            <a:ext cx="523240" cy="247651"/>
-          </a:xfrm>
-        </p:spPr>
-        <p:txBody>
-          <a:bodyPr/>
-          <a:lstStyle/>
-          <a:p>
-            <a:fld id="{294A09A9-5501-47C1-A89A-A340965A2BE2}" type="slidenum">
-              <a:rPr lang="en-US" smtClean="0"/>
-              <a:pPr/>
-              <a:t>14</a:t>
-            </a:fld>
-            <a:endParaRPr lang="en-US" dirty="0"/>
-          </a:p>
-        </p:txBody>
-      </p:sp>
-      <p:sp>
-        <p:nvSpPr>
-          <p:cNvPr id="4" name="Footer Placeholder 3">
-            <a:extLst>
-              <a:ext uri="{FF2B5EF4-FFF2-40B4-BE49-F238E27FC236}">
-                <a16:creationId xmlns:a16="http://schemas.microsoft.com/office/drawing/2014/main" id="{529E91F3-E1A0-DB4A-8CD8-D9D1AB0FFB40}"/>
-              </a:ext>
-            </a:extLst>
-          </p:cNvPr>
-          <p:cNvSpPr>
-            <a:spLocks noGrp="1"/>
-          </p:cNvSpPr>
-          <p:nvPr>
-            <p:ph type="ftr" sz="quarter" idx="22"/>
-          </p:nvPr>
-        </p:nvSpPr>
-        <p:spPr>
-          <a:xfrm>
-            <a:off x="1494790" y="6332220"/>
-            <a:ext cx="1497330" cy="247651"/>
-          </a:xfrm>
-        </p:spPr>
-        <p:txBody>
-          <a:bodyPr/>
-          <a:lstStyle/>
-          <a:p>
-            <a:r>
-              <a:rPr lang="en-US" dirty="0"/>
-              <a:t>Annual Review</a:t>
-            </a:r>
-          </a:p>
-        </p:txBody>
-      </p:sp>
-      <p:sp>
-        <p:nvSpPr>
-          <p:cNvPr id="3" name="Date Placeholder 2">
-            <a:extLst>
-              <a:ext uri="{FF2B5EF4-FFF2-40B4-BE49-F238E27FC236}">
-                <a16:creationId xmlns:a16="http://schemas.microsoft.com/office/drawing/2014/main" id="{4D5B7634-ADBA-124F-B8CA-431F07F18D44}"/>
-              </a:ext>
-            </a:extLst>
-          </p:cNvPr>
-          <p:cNvSpPr>
-            <a:spLocks noGrp="1"/>
-          </p:cNvSpPr>
-          <p:nvPr>
-            <p:ph type="dt" sz="half" idx="21"/>
-          </p:nvPr>
-        </p:nvSpPr>
-        <p:spPr>
-          <a:xfrm>
-            <a:off x="2992120" y="6332220"/>
-            <a:ext cx="1313180" cy="247651"/>
-          </a:xfrm>
-        </p:spPr>
-        <p:txBody>
-          <a:bodyPr/>
-          <a:lstStyle/>
-          <a:p>
-            <a:fld id="{6FCA8E82-58CD-E045-8B98-B7A85B79B752}" type="datetime4">
-              <a:rPr lang="en-US" smtClean="0"/>
-              <a:pPr/>
-              <a:t>September 28, 2021</a:t>
-            </a:fld>
-            <a:endParaRPr lang="en-US" dirty="0"/>
-          </a:p>
-        </p:txBody>
-      </p:sp>
-    </p:spTree>
-    <p:extLst>
-      <p:ext uri="{BB962C8B-B14F-4D97-AF65-F5344CB8AC3E}">
-        <p14:creationId xmlns:p14="http://schemas.microsoft.com/office/powerpoint/2010/main" val="643842168"/>
-      </p:ext>
-    </p:extLst>
-  </p:cSld>
-  <p:clrMapOvr>
-    <a:masterClrMapping/>
-  </p:clrMapOvr>
-</p:sld>
-</file>
-
-<file path=ppt/slides/slide15.xml><?xml version="1.0" encoding="utf-8"?>
-<p:sld xmlns:a="http://schemas.openxmlformats.org/drawingml/2006/main" xmlns:r="http://schemas.openxmlformats.org/officeDocument/2006/relationships" xmlns:p="http://schemas.openxmlformats.org/presentationml/2006/main">
-  <p:cSld>
-    <p:spTree>
-      <p:nvGrpSpPr>
-        <p:cNvPr id="1" name=""/>
-        <p:cNvGrpSpPr/>
-        <p:nvPr/>
-      </p:nvGrpSpPr>
-      <p:grpSpPr>
-        <a:xfrm>
-          <a:off x="0" y="0"/>
-          <a:ext cx="0" cy="0"/>
-          <a:chOff x="0" y="0"/>
-          <a:chExt cx="0" cy="0"/>
-        </a:xfrm>
-      </p:grpSpPr>
-      <p:sp>
-        <p:nvSpPr>
-          <p:cNvPr id="2" name="Title 1">
-            <a:extLst>
-              <a:ext uri="{FF2B5EF4-FFF2-40B4-BE49-F238E27FC236}">
-                <a16:creationId xmlns:a16="http://schemas.microsoft.com/office/drawing/2014/main" id="{51DF3D98-3C30-4CFC-8643-C81E829C8C25}"/>
-              </a:ext>
-            </a:extLst>
-          </p:cNvPr>
-          <p:cNvSpPr>
-            <a:spLocks noGrp="1"/>
-          </p:cNvSpPr>
-          <p:nvPr>
-            <p:ph type="title"/>
-          </p:nvPr>
-        </p:nvSpPr>
-        <p:spPr/>
-        <p:txBody>
-          <a:bodyPr/>
-          <a:lstStyle/>
-          <a:p>
-            <a:r>
-              <a:rPr lang="en-US" dirty="0"/>
-              <a:t>Thank you</a:t>
-            </a:r>
-          </a:p>
-        </p:txBody>
-      </p:sp>
-      <p:sp>
-        <p:nvSpPr>
-          <p:cNvPr id="11" name="Subtitle 10">
-            <a:extLst>
-              <a:ext uri="{FF2B5EF4-FFF2-40B4-BE49-F238E27FC236}">
-                <a16:creationId xmlns:a16="http://schemas.microsoft.com/office/drawing/2014/main" id="{F0F25866-5DB1-334A-8037-692579FBDE39}"/>
-              </a:ext>
-            </a:extLst>
-          </p:cNvPr>
-          <p:cNvSpPr>
-            <a:spLocks noGrp="1"/>
-          </p:cNvSpPr>
-          <p:nvPr>
-            <p:ph type="subTitle" idx="1"/>
-          </p:nvPr>
-        </p:nvSpPr>
-        <p:spPr/>
-        <p:txBody>
-          <a:bodyPr/>
-          <a:lstStyle/>
-          <a:p>
-            <a:r>
-              <a:rPr lang="en-US" dirty="0"/>
-              <a:t>Thanks to your commitment and strong work ethic, we know next year will be even better than the last. </a:t>
-            </a:r>
-          </a:p>
-          <a:p>
-            <a:r>
-              <a:rPr lang="en-US" dirty="0"/>
-              <a:t>We look forward to working together. </a:t>
-            </a:r>
-          </a:p>
-          <a:p>
-            <a:endParaRPr lang="en-US" dirty="0"/>
-          </a:p>
-        </p:txBody>
-      </p:sp>
-      <p:pic>
-        <p:nvPicPr>
-          <p:cNvPr id="13" name="Picture Placeholder 12" descr="Portrait of a team member">
-            <a:extLst>
-              <a:ext uri="{FF2B5EF4-FFF2-40B4-BE49-F238E27FC236}">
-                <a16:creationId xmlns:a16="http://schemas.microsoft.com/office/drawing/2014/main" id="{EC944911-7CDD-41CC-A7F0-5B0CF85D545C}"/>
-              </a:ext>
-              <a:ext uri="{C183D7F6-B498-43B3-948B-1728B52AA6E4}">
-                <adec:decorative xmlns:adec="http://schemas.microsoft.com/office/drawing/2017/decorative" val="0"/>
-              </a:ext>
-            </a:extLst>
-          </p:cNvPr>
-          <p:cNvPicPr>
-            <a:picLocks noGrp="1" noChangeAspect="1"/>
-          </p:cNvPicPr>
-          <p:nvPr>
-            <p:ph type="pic" sz="quarter" idx="13"/>
-          </p:nvPr>
-        </p:nvPicPr>
-        <p:blipFill>
-          <a:blip r:embed="rId3">
-            <a:extLst>
-              <a:ext uri="{28A0092B-C50C-407E-A947-70E740481C1C}">
-                <a14:useLocalDpi xmlns:a14="http://schemas.microsoft.com/office/drawing/2010/main" val="0"/>
-              </a:ext>
-            </a:extLst>
-          </a:blip>
-          <a:srcRect/>
-          <a:stretch>
-            <a:fillRect/>
-          </a:stretch>
-        </p:blipFill>
-        <p:spPr/>
-      </p:pic>
-      <p:sp>
-        <p:nvSpPr>
-          <p:cNvPr id="9" name="Text Placeholder 8">
-            <a:extLst>
-              <a:ext uri="{FF2B5EF4-FFF2-40B4-BE49-F238E27FC236}">
-                <a16:creationId xmlns:a16="http://schemas.microsoft.com/office/drawing/2014/main" id="{76767661-63CB-A645-82F2-3B860E338B67}"/>
-              </a:ext>
-            </a:extLst>
-          </p:cNvPr>
-          <p:cNvSpPr>
-            <a:spLocks noGrp="1"/>
-          </p:cNvSpPr>
-          <p:nvPr>
-            <p:ph type="body" sz="quarter" idx="11"/>
-          </p:nvPr>
-        </p:nvSpPr>
-        <p:spPr/>
-        <p:txBody>
-          <a:bodyPr/>
-          <a:lstStyle/>
-          <a:p>
-            <a:r>
-              <a:rPr lang="en-US" b="1" dirty="0"/>
-              <a:t>Contoso  </a:t>
-            </a:r>
-            <a:r>
-              <a:rPr lang="en-US" dirty="0"/>
-              <a:t>  </a:t>
-            </a:r>
-          </a:p>
-          <a:p>
-            <a:r>
-              <a:rPr lang="en-US" dirty="0"/>
-              <a:t>sales@contoso.com</a:t>
-            </a:r>
-          </a:p>
-        </p:txBody>
-      </p:sp>
-    </p:spTree>
-    <p:extLst>
-      <p:ext uri="{BB962C8B-B14F-4D97-AF65-F5344CB8AC3E}">
-        <p14:creationId xmlns:p14="http://schemas.microsoft.com/office/powerpoint/2010/main" val="2336677316"/>
-      </p:ext>
-    </p:extLst>
-  </p:cSld>
-  <p:clrMapOvr>
-    <a:masterClrMapping/>
-  </p:clrMapOvr>
-</p:sld>
-</file>
-
 <file path=ppt/slides/slide2.xml><?xml version="1.0" encoding="utf-8"?>
 <p:sld xmlns:a="http://schemas.openxmlformats.org/drawingml/2006/main" xmlns:r="http://schemas.openxmlformats.org/officeDocument/2006/relationships" xmlns:p="http://schemas.openxmlformats.org/presentationml/2006/main">
   <p:cSld>
@@ -16056,7 +13622,7 @@
             <a:fld id="{6FCA8E82-58CD-E045-8B98-B7A85B79B752}" type="datetime4">
               <a:rPr lang="en-US" smtClean="0"/>
               <a:pPr/>
-              <a:t>September 28, 2021</a:t>
+              <a:t>September 29, 2021</a:t>
             </a:fld>
             <a:endParaRPr lang="en-US" dirty="0"/>
           </a:p>
@@ -16284,7 +13850,7 @@
             <a:fld id="{6FCA8E82-58CD-E045-8B98-B7A85B79B752}" type="datetime4">
               <a:rPr lang="en-US" smtClean="0"/>
               <a:pPr/>
-              <a:t>September 28, 2021</a:t>
+              <a:t>September 29, 2021</a:t>
             </a:fld>
             <a:endParaRPr lang="en-US" dirty="0"/>
           </a:p>
@@ -16452,7 +14018,7 @@
           <a:p>
             <a:r>
               <a:rPr lang="en-US" dirty="0"/>
-              <a:t>Annual Review</a:t>
+              <a:t>React &amp; Type Script</a:t>
             </a:r>
           </a:p>
         </p:txBody>
@@ -16486,7 +14052,7 @@
             <a:fld id="{6FCA8E82-58CD-E045-8B98-B7A85B79B752}" type="datetime4">
               <a:rPr lang="en-US" smtClean="0"/>
               <a:pPr/>
-              <a:t>September 28, 2021</a:t>
+              <a:t>September 29, 2021</a:t>
             </a:fld>
             <a:endParaRPr lang="en-US" dirty="0"/>
           </a:p>
@@ -16507,7 +14073,7 @@
           <p:nvPr/>
         </p:nvPicPr>
         <p:blipFill>
-          <a:blip r:embed="rId2">
+          <a:blip r:embed="rId3">
             <a:extLst>
               <a:ext uri="{28A0092B-C50C-407E-A947-70E740481C1C}">
                 <a14:useLocalDpi xmlns:a14="http://schemas.microsoft.com/office/drawing/2010/main" val="0"/>
@@ -16695,7 +14261,7 @@
             <a:fld id="{6FCA8E82-58CD-E045-8B98-B7A85B79B752}" type="datetime4">
               <a:rPr lang="en-US" smtClean="0"/>
               <a:pPr/>
-              <a:t>September 28, 2021</a:t>
+              <a:t>September 29, 2021</a:t>
             </a:fld>
             <a:endParaRPr lang="en-US" dirty="0"/>
           </a:p>
@@ -16995,10 +14561,10 @@
       </p:grpSpPr>
       <p:sp>
         <p:nvSpPr>
-          <p:cNvPr id="3" name="Title 2">
-            <a:extLst>
-              <a:ext uri="{FF2B5EF4-FFF2-40B4-BE49-F238E27FC236}">
-                <a16:creationId xmlns:a16="http://schemas.microsoft.com/office/drawing/2014/main" id="{1353F689-2E51-BF4F-AE47-7CEB7CC4C52A}"/>
+          <p:cNvPr id="2" name="Title 1">
+            <a:extLst>
+              <a:ext uri="{FF2B5EF4-FFF2-40B4-BE49-F238E27FC236}">
+                <a16:creationId xmlns:a16="http://schemas.microsoft.com/office/drawing/2014/main" id="{2DD54756-A790-C845-A85F-35391529E591}"/>
               </a:ext>
             </a:extLst>
           </p:cNvPr>
@@ -17016,7 +14582,7 @@
           <a:p>
             <a:r>
               <a:rPr lang="en-US" dirty="0"/>
-              <a:t>Introduction</a:t>
+              <a:t>Resources</a:t>
             </a:r>
           </a:p>
         </p:txBody>
@@ -17026,7 +14592,7 @@
           <p:cNvPr id="4" name="Text Placeholder 3">
             <a:extLst>
               <a:ext uri="{FF2B5EF4-FFF2-40B4-BE49-F238E27FC236}">
-                <a16:creationId xmlns:a16="http://schemas.microsoft.com/office/drawing/2014/main" id="{A17F80A9-6337-524E-AC61-32C5AFEE8E6D}"/>
+                <a16:creationId xmlns:a16="http://schemas.microsoft.com/office/drawing/2014/main" id="{C7EC6698-132B-1143-A2A9-00A97D9572D8}"/>
               </a:ext>
             </a:extLst>
           </p:cNvPr>
@@ -17034,7 +14600,66 @@
             <a:spLocks noGrp="1"/>
           </p:cNvSpPr>
           <p:nvPr>
-            <p:ph type="body" sz="quarter" idx="11"/>
+            <p:ph type="body" sz="quarter" idx="12"/>
+          </p:nvPr>
+        </p:nvSpPr>
+        <p:spPr>
+          <a:xfrm>
+            <a:off x="989881" y="2295076"/>
+            <a:ext cx="11054482" cy="2267847"/>
+          </a:xfrm>
+        </p:spPr>
+        <p:txBody>
+          <a:bodyPr/>
+          <a:lstStyle/>
+          <a:p>
+            <a:pPr marL="342900" indent="-342900">
+              <a:lnSpc>
+                <a:spcPct val="150000"/>
+              </a:lnSpc>
+              <a:buAutoNum type="arabicPeriod"/>
+            </a:pPr>
+            <a:r>
+              <a:rPr lang="en-US" sz="2800" dirty="0">
+                <a:solidFill>
+                  <a:schemeClr val="bg1"/>
+                </a:solidFill>
+              </a:rPr>
+              <a:t>https://github.com/tiepnx/learning</a:t>
+            </a:r>
+          </a:p>
+          <a:p>
+            <a:pPr marL="342900" indent="-342900">
+              <a:lnSpc>
+                <a:spcPct val="150000"/>
+              </a:lnSpc>
+              <a:buAutoNum type="arabicPeriod"/>
+            </a:pPr>
+            <a:r>
+              <a:rPr lang="en-US" sz="2800" dirty="0">
+                <a:solidFill>
+                  <a:schemeClr val="bg1"/>
+                </a:solidFill>
+              </a:rPr>
+              <a:t>https://react-typescript-cheatsheet.netlify.app/docs/basic/setup</a:t>
+            </a:r>
+          </a:p>
+        </p:txBody>
+      </p:sp>
+      <p:sp>
+        <p:nvSpPr>
+          <p:cNvPr id="13" name="Date Placeholder 12">
+            <a:extLst>
+              <a:ext uri="{FF2B5EF4-FFF2-40B4-BE49-F238E27FC236}">
+                <a16:creationId xmlns:a16="http://schemas.microsoft.com/office/drawing/2014/main" id="{2D9626DF-C81E-004B-9A70-7EF103792475}"/>
+              </a:ext>
+            </a:extLst>
+          </p:cNvPr>
+          <p:cNvSpPr>
+            <a:spLocks noGrp="1"/>
+          </p:cNvSpPr>
+          <p:nvPr>
+            <p:ph type="dt" sz="half" idx="21"/>
           </p:nvPr>
         </p:nvSpPr>
         <p:spPr/>
@@ -17042,22 +14667,21 @@
           <a:bodyPr/>
           <a:lstStyle/>
           <a:p>
-            <a:r>
-              <a:rPr lang="en-US" dirty="0"/>
-              <a:t>Profits are up, and losses are down! We are very proud of the progress our team has made. Today we’ll review our wins and losses from last year and give you an overview of what you can expect for next year.</a:t>
-            </a:r>
-          </a:p>
-          <a:p>
+            <a:fld id="{6FCA8E82-58CD-E045-8B98-B7A85B79B752}" type="datetime4">
+              <a:rPr lang="en-US" smtClean="0"/>
+              <a:pPr/>
+              <a:t>September 29, 2021</a:t>
+            </a:fld>
             <a:endParaRPr lang="en-US" dirty="0"/>
           </a:p>
         </p:txBody>
       </p:sp>
       <p:sp>
         <p:nvSpPr>
-          <p:cNvPr id="7" name="Slide Number Placeholder 6">
-            <a:extLst>
-              <a:ext uri="{FF2B5EF4-FFF2-40B4-BE49-F238E27FC236}">
-                <a16:creationId xmlns:a16="http://schemas.microsoft.com/office/drawing/2014/main" id="{F37669F0-EA6D-6B46-AF0E-A9C2D1F223DB}"/>
+          <p:cNvPr id="14" name="Footer Placeholder 13">
+            <a:extLst>
+              <a:ext uri="{FF2B5EF4-FFF2-40B4-BE49-F238E27FC236}">
+                <a16:creationId xmlns:a16="http://schemas.microsoft.com/office/drawing/2014/main" id="{C0BAE34D-BF83-084B-A10C-EB85694B9ACF}"/>
               </a:ext>
             </a:extLst>
           </p:cNvPr>
@@ -17065,15 +14689,38 @@
             <a:spLocks noGrp="1"/>
           </p:cNvSpPr>
           <p:nvPr>
-            <p:ph type="sldNum" sz="quarter" idx="16"/>
+            <p:ph type="ftr" sz="quarter" idx="22"/>
           </p:nvPr>
         </p:nvSpPr>
-        <p:spPr>
-          <a:xfrm>
-            <a:off x="971550" y="6332220"/>
-            <a:ext cx="523240" cy="247651"/>
-          </a:xfrm>
-        </p:spPr>
+        <p:spPr/>
+        <p:txBody>
+          <a:bodyPr/>
+          <a:lstStyle/>
+          <a:p>
+            <a:r>
+              <a:rPr lang="en-US" dirty="0"/>
+              <a:t>React &amp; typescript</a:t>
+            </a:r>
+          </a:p>
+        </p:txBody>
+      </p:sp>
+      <p:sp>
+        <p:nvSpPr>
+          <p:cNvPr id="15" name="Slide Number Placeholder 14">
+            <a:extLst>
+              <a:ext uri="{FF2B5EF4-FFF2-40B4-BE49-F238E27FC236}">
+                <a16:creationId xmlns:a16="http://schemas.microsoft.com/office/drawing/2014/main" id="{329469AE-B59A-AA41-9085-106D011808F5}"/>
+              </a:ext>
+            </a:extLst>
+          </p:cNvPr>
+          <p:cNvSpPr>
+            <a:spLocks noGrp="1"/>
+          </p:cNvSpPr>
+          <p:nvPr>
+            <p:ph type="sldNum" sz="quarter" idx="23"/>
+          </p:nvPr>
+        </p:nvSpPr>
+        <p:spPr/>
         <p:txBody>
           <a:bodyPr/>
           <a:lstStyle/>
@@ -17087,109 +14734,10 @@
           </a:p>
         </p:txBody>
       </p:sp>
-      <p:sp>
-        <p:nvSpPr>
-          <p:cNvPr id="6" name="Footer Placeholder 5">
-            <a:extLst>
-              <a:ext uri="{FF2B5EF4-FFF2-40B4-BE49-F238E27FC236}">
-                <a16:creationId xmlns:a16="http://schemas.microsoft.com/office/drawing/2014/main" id="{66F3960A-D260-8445-A153-0B674474CEBD}"/>
-              </a:ext>
-            </a:extLst>
-          </p:cNvPr>
-          <p:cNvSpPr>
-            <a:spLocks noGrp="1"/>
-          </p:cNvSpPr>
-          <p:nvPr>
-            <p:ph type="ftr" sz="quarter" idx="15"/>
-          </p:nvPr>
-        </p:nvSpPr>
-        <p:spPr>
-          <a:xfrm>
-            <a:off x="1494790" y="6332220"/>
-            <a:ext cx="1497330" cy="247651"/>
-          </a:xfrm>
-        </p:spPr>
-        <p:txBody>
-          <a:bodyPr/>
-          <a:lstStyle/>
-          <a:p>
-            <a:r>
-              <a:rPr lang="en-US" dirty="0"/>
-              <a:t>Annual Review</a:t>
-            </a:r>
-          </a:p>
-        </p:txBody>
-      </p:sp>
-      <p:sp>
-        <p:nvSpPr>
-          <p:cNvPr id="5" name="Date Placeholder 4">
-            <a:extLst>
-              <a:ext uri="{FF2B5EF4-FFF2-40B4-BE49-F238E27FC236}">
-                <a16:creationId xmlns:a16="http://schemas.microsoft.com/office/drawing/2014/main" id="{2E803E71-3088-0347-9BCC-16ADB551CCC8}"/>
-              </a:ext>
-            </a:extLst>
-          </p:cNvPr>
-          <p:cNvSpPr>
-            <a:spLocks noGrp="1"/>
-          </p:cNvSpPr>
-          <p:nvPr>
-            <p:ph type="dt" sz="half" idx="14"/>
-          </p:nvPr>
-        </p:nvSpPr>
-        <p:spPr>
-          <a:xfrm>
-            <a:off x="2992120" y="6332220"/>
-            <a:ext cx="1313180" cy="247651"/>
-          </a:xfrm>
-        </p:spPr>
-        <p:txBody>
-          <a:bodyPr/>
-          <a:lstStyle/>
-          <a:p>
-            <a:fld id="{6FCA8E82-58CD-E045-8B98-B7A85B79B752}" type="datetime4">
-              <a:rPr lang="en-US" smtClean="0"/>
-              <a:pPr/>
-              <a:t>September 28, 2021</a:t>
-            </a:fld>
-            <a:endParaRPr lang="en-US" dirty="0"/>
-          </a:p>
-        </p:txBody>
-      </p:sp>
-      <p:pic>
-        <p:nvPicPr>
-          <p:cNvPr id="53" name="Picture Placeholder 52" descr="Hanging Lightbulbs">
-            <a:extLst>
-              <a:ext uri="{FF2B5EF4-FFF2-40B4-BE49-F238E27FC236}">
-                <a16:creationId xmlns:a16="http://schemas.microsoft.com/office/drawing/2014/main" id="{CAC9EF15-08A3-406D-9236-76A5454D5F8A}"/>
-              </a:ext>
-            </a:extLst>
-          </p:cNvPr>
-          <p:cNvPicPr>
-            <a:picLocks noGrp="1" noChangeAspect="1"/>
-          </p:cNvPicPr>
-          <p:nvPr>
-            <p:ph type="pic" sz="quarter" idx="13"/>
-          </p:nvPr>
-        </p:nvPicPr>
-        <p:blipFill>
-          <a:blip r:embed="rId2">
-            <a:extLst>
-              <a:ext uri="{28A0092B-C50C-407E-A947-70E740481C1C}">
-                <a14:useLocalDpi xmlns:a14="http://schemas.microsoft.com/office/drawing/2010/main" val="0"/>
-              </a:ext>
-            </a:extLst>
-          </a:blip>
-          <a:srcRect/>
-          <a:stretch>
-            <a:fillRect/>
-          </a:stretch>
-        </p:blipFill>
-        <p:spPr/>
-      </p:pic>
     </p:spTree>
     <p:extLst>
       <p:ext uri="{BB962C8B-B14F-4D97-AF65-F5344CB8AC3E}">
-        <p14:creationId xmlns:p14="http://schemas.microsoft.com/office/powerpoint/2010/main" val="391246093"/>
+        <p14:creationId xmlns:p14="http://schemas.microsoft.com/office/powerpoint/2010/main" val="1365272034"/>
       </p:ext>
     </p:extLst>
   </p:cSld>
@@ -17200,157 +14748,6 @@
 </file>
 
 <file path=ppt/slides/slide7.xml><?xml version="1.0" encoding="utf-8"?>
-<p:sld xmlns:a="http://schemas.openxmlformats.org/drawingml/2006/main" xmlns:r="http://schemas.openxmlformats.org/officeDocument/2006/relationships" xmlns:p="http://schemas.openxmlformats.org/presentationml/2006/main">
-  <p:cSld>
-    <p:bg>
-      <p:bgPr>
-        <a:solidFill>
-          <a:schemeClr val="accent2"/>
-        </a:solidFill>
-        <a:effectLst/>
-      </p:bgPr>
-    </p:bg>
-    <p:spTree>
-      <p:nvGrpSpPr>
-        <p:cNvPr id="1" name=""/>
-        <p:cNvGrpSpPr/>
-        <p:nvPr/>
-      </p:nvGrpSpPr>
-      <p:grpSpPr>
-        <a:xfrm>
-          <a:off x="0" y="0"/>
-          <a:ext cx="0" cy="0"/>
-          <a:chOff x="0" y="0"/>
-          <a:chExt cx="0" cy="0"/>
-        </a:xfrm>
-      </p:grpSpPr>
-      <p:pic>
-        <p:nvPicPr>
-          <p:cNvPr id="20" name="Picture Placeholder 19" descr="Seedling Black and white close up">
-            <a:extLst>
-              <a:ext uri="{FF2B5EF4-FFF2-40B4-BE49-F238E27FC236}">
-                <a16:creationId xmlns:a16="http://schemas.microsoft.com/office/drawing/2014/main" id="{12F007AF-B3B3-4BBC-9990-D46E31738B7C}"/>
-              </a:ext>
-            </a:extLst>
-          </p:cNvPr>
-          <p:cNvPicPr>
-            <a:picLocks noGrp="1" noChangeAspect="1"/>
-          </p:cNvPicPr>
-          <p:nvPr>
-            <p:ph type="pic" sz="quarter" idx="13"/>
-          </p:nvPr>
-        </p:nvPicPr>
-        <p:blipFill rotWithShape="1">
-          <a:blip r:embed="rId3">
-            <a:extLst>
-              <a:ext uri="{28A0092B-C50C-407E-A947-70E740481C1C}">
-                <a14:useLocalDpi xmlns:a14="http://schemas.microsoft.com/office/drawing/2010/main" val="0"/>
-              </a:ext>
-            </a:extLst>
-          </a:blip>
-          <a:srcRect/>
-          <a:stretch/>
-        </p:blipFill>
-        <p:spPr>
-          <a:xfrm>
-            <a:off x="0" y="0"/>
-            <a:ext cx="12192000" cy="6858000"/>
-          </a:xfrm>
-        </p:spPr>
-      </p:pic>
-      <p:sp>
-        <p:nvSpPr>
-          <p:cNvPr id="2" name="Title 1">
-            <a:extLst>
-              <a:ext uri="{FF2B5EF4-FFF2-40B4-BE49-F238E27FC236}">
-                <a16:creationId xmlns:a16="http://schemas.microsoft.com/office/drawing/2014/main" id="{A8704A28-E62C-2E4A-A2A4-AD85CB6126A2}"/>
-              </a:ext>
-            </a:extLst>
-          </p:cNvPr>
-          <p:cNvSpPr>
-            <a:spLocks noGrp="1"/>
-          </p:cNvSpPr>
-          <p:nvPr>
-            <p:ph type="title"/>
-          </p:nvPr>
-        </p:nvSpPr>
-        <p:spPr>
-          <a:xfrm>
-            <a:off x="7193943" y="3045437"/>
-            <a:ext cx="4941477" cy="610863"/>
-          </a:xfrm>
-        </p:spPr>
-        <p:txBody>
-          <a:bodyPr/>
-          <a:lstStyle/>
-          <a:p>
-            <a:r>
-              <a:rPr lang="en-US" dirty="0"/>
-              <a:t>Last year</a:t>
-            </a:r>
-          </a:p>
-        </p:txBody>
-      </p:sp>
-      <p:cxnSp>
-        <p:nvCxnSpPr>
-          <p:cNvPr id="6" name="Straight Connector 5">
-            <a:extLst>
-              <a:ext uri="{FF2B5EF4-FFF2-40B4-BE49-F238E27FC236}">
-                <a16:creationId xmlns:a16="http://schemas.microsoft.com/office/drawing/2014/main" id="{4D6EE753-BEBB-4348-896E-73627FDDCF64}"/>
-              </a:ext>
-              <a:ext uri="{C183D7F6-B498-43B3-948B-1728B52AA6E4}">
-                <adec:decorative xmlns:adec="http://schemas.microsoft.com/office/drawing/2017/decorative" val="1"/>
-              </a:ext>
-            </a:extLst>
-          </p:cNvPr>
-          <p:cNvCxnSpPr>
-            <a:cxnSpLocks/>
-          </p:cNvCxnSpPr>
-          <p:nvPr/>
-        </p:nvCxnSpPr>
-        <p:spPr>
-          <a:xfrm>
-            <a:off x="7194680" y="4003877"/>
-            <a:ext cx="2133600" cy="3992"/>
-          </a:xfrm>
-          <a:prstGeom prst="line">
-            <a:avLst/>
-          </a:prstGeom>
-          <a:ln w="101600">
-            <a:solidFill>
-              <a:schemeClr val="tx2"/>
-            </a:solidFill>
-          </a:ln>
-        </p:spPr>
-        <p:style>
-          <a:lnRef idx="1">
-            <a:schemeClr val="dk1"/>
-          </a:lnRef>
-          <a:fillRef idx="0">
-            <a:schemeClr val="dk1"/>
-          </a:fillRef>
-          <a:effectRef idx="0">
-            <a:schemeClr val="dk1"/>
-          </a:effectRef>
-          <a:fontRef idx="minor">
-            <a:schemeClr val="tx1"/>
-          </a:fontRef>
-        </p:style>
-      </p:cxnSp>
-    </p:spTree>
-    <p:extLst>
-      <p:ext uri="{BB962C8B-B14F-4D97-AF65-F5344CB8AC3E}">
-        <p14:creationId xmlns:p14="http://schemas.microsoft.com/office/powerpoint/2010/main" val="2105465797"/>
-      </p:ext>
-    </p:extLst>
-  </p:cSld>
-  <p:clrMapOvr>
-    <a:masterClrMapping/>
-  </p:clrMapOvr>
-</p:sld>
-</file>
-
-<file path=ppt/slides/slide8.xml><?xml version="1.0" encoding="utf-8"?>
 <p:sld xmlns:a="http://schemas.openxmlformats.org/drawingml/2006/main" xmlns:r="http://schemas.openxmlformats.org/officeDocument/2006/relationships" xmlns:p="http://schemas.openxmlformats.org/presentationml/2006/main">
   <p:cSld>
     <p:spTree>
@@ -17372,7 +14769,7 @@
           <p:cNvPr id="2" name="Title 1">
             <a:extLst>
               <a:ext uri="{FF2B5EF4-FFF2-40B4-BE49-F238E27FC236}">
-                <a16:creationId xmlns:a16="http://schemas.microsoft.com/office/drawing/2014/main" id="{665CFF5F-6DFB-0D49-B8B1-661F7E7888AF}"/>
+                <a16:creationId xmlns:a16="http://schemas.microsoft.com/office/drawing/2014/main" id="{51DF3D98-3C30-4CFC-8643-C81E829C8C25}"/>
               </a:ext>
             </a:extLst>
           </p:cNvPr>
@@ -17383,1560 +14780,56 @@
             <p:ph type="title"/>
           </p:nvPr>
         </p:nvSpPr>
-        <p:spPr>
-          <a:xfrm>
-            <a:off x="964023" y="879063"/>
-            <a:ext cx="7560545" cy="610863"/>
-          </a:xfrm>
-        </p:spPr>
-        <p:txBody>
-          <a:bodyPr>
-            <a:normAutofit/>
-          </a:bodyPr>
-          <a:lstStyle/>
-          <a:p>
-            <a:r>
-              <a:rPr lang="en-US" b="1" dirty="0"/>
-              <a:t>Growth by sector table</a:t>
-            </a:r>
-          </a:p>
-        </p:txBody>
-      </p:sp>
-      <p:graphicFrame>
-        <p:nvGraphicFramePr>
-          <p:cNvPr id="7" name="Table 4">
-            <a:extLst>
-              <a:ext uri="{FF2B5EF4-FFF2-40B4-BE49-F238E27FC236}">
-                <a16:creationId xmlns:a16="http://schemas.microsoft.com/office/drawing/2014/main" id="{F3B5A5E4-3ABE-D143-902C-F2BCA6C75EDE}"/>
-              </a:ext>
-            </a:extLst>
-          </p:cNvPr>
-          <p:cNvGraphicFramePr>
-            <a:graphicFrameLocks noGrp="1"/>
-          </p:cNvGraphicFramePr>
-          <p:nvPr>
-            <p:ph type="tbl" sz="quarter" idx="10"/>
-            <p:extLst>
-              <p:ext uri="{D42A27DB-BD31-4B8C-83A1-F6EECF244321}">
-                <p14:modId xmlns:p14="http://schemas.microsoft.com/office/powerpoint/2010/main" val="678003019"/>
-              </p:ext>
-            </p:extLst>
-          </p:nvPr>
-        </p:nvGraphicFramePr>
-        <p:xfrm>
-          <a:off x="952500" y="2209800"/>
-          <a:ext cx="10287000" cy="2368356"/>
-        </p:xfrm>
-        <a:graphic>
-          <a:graphicData uri="http://schemas.openxmlformats.org/drawingml/2006/table">
-            <a:tbl>
-              <a:tblPr firstRow="1" bandRow="1">
-                <a:tableStyleId>{2A488322-F2BA-4B5B-9748-0D474271808F}</a:tableStyleId>
-              </a:tblPr>
-              <a:tblGrid>
-                <a:gridCol w="2057400">
-                  <a:extLst>
-                    <a:ext uri="{9D8B030D-6E8A-4147-A177-3AD203B41FA5}">
-                      <a16:colId xmlns:a16="http://schemas.microsoft.com/office/drawing/2014/main" val="1689330750"/>
-                    </a:ext>
-                  </a:extLst>
-                </a:gridCol>
-                <a:gridCol w="2057400">
-                  <a:extLst>
-                    <a:ext uri="{9D8B030D-6E8A-4147-A177-3AD203B41FA5}">
-                      <a16:colId xmlns:a16="http://schemas.microsoft.com/office/drawing/2014/main" val="2660631934"/>
-                    </a:ext>
-                  </a:extLst>
-                </a:gridCol>
-                <a:gridCol w="2057400">
-                  <a:extLst>
-                    <a:ext uri="{9D8B030D-6E8A-4147-A177-3AD203B41FA5}">
-                      <a16:colId xmlns:a16="http://schemas.microsoft.com/office/drawing/2014/main" val="3909717689"/>
-                    </a:ext>
-                  </a:extLst>
-                </a:gridCol>
-                <a:gridCol w="2050297">
-                  <a:extLst>
-                    <a:ext uri="{9D8B030D-6E8A-4147-A177-3AD203B41FA5}">
-                      <a16:colId xmlns:a16="http://schemas.microsoft.com/office/drawing/2014/main" val="1603189107"/>
-                    </a:ext>
-                  </a:extLst>
-                </a:gridCol>
-                <a:gridCol w="2064503">
-                  <a:extLst>
-                    <a:ext uri="{9D8B030D-6E8A-4147-A177-3AD203B41FA5}">
-                      <a16:colId xmlns:a16="http://schemas.microsoft.com/office/drawing/2014/main" val="2755691855"/>
-                    </a:ext>
-                  </a:extLst>
-                </a:gridCol>
-              </a:tblGrid>
-              <a:tr h="592089">
-                <a:tc>
-                  <a:txBody>
-                    <a:bodyPr/>
-                    <a:lstStyle/>
-                    <a:p>
-                      <a:pPr algn="ctr"/>
-                      <a:endParaRPr lang="en-US" b="1" i="0" dirty="0">
-                        <a:solidFill>
-                          <a:schemeClr val="tx1"/>
-                        </a:solidFill>
-                        <a:latin typeface="+mn-lt"/>
-                      </a:endParaRPr>
-                    </a:p>
-                  </a:txBody>
-                  <a:tcPr anchor="ctr">
-                    <a:lnL w="12700" cap="flat" cmpd="sng" algn="ctr">
-                      <a:solidFill>
-                        <a:schemeClr val="tx1"/>
-                      </a:solidFill>
-                      <a:prstDash val="solid"/>
-                      <a:round/>
-                      <a:headEnd type="none" w="med" len="med"/>
-                      <a:tailEnd type="none" w="med" len="med"/>
-                    </a:lnL>
-                    <a:lnR w="12700" cap="flat" cmpd="sng" algn="ctr">
-                      <a:solidFill>
-                        <a:schemeClr val="tx1"/>
-                      </a:solidFill>
-                      <a:prstDash val="solid"/>
-                      <a:round/>
-                      <a:headEnd type="none" w="med" len="med"/>
-                      <a:tailEnd type="none" w="med" len="med"/>
-                    </a:lnR>
-                    <a:lnT w="12700" cap="flat" cmpd="sng" algn="ctr">
-                      <a:solidFill>
-                        <a:schemeClr val="tx1"/>
-                      </a:solidFill>
-                      <a:prstDash val="solid"/>
-                      <a:round/>
-                      <a:headEnd type="none" w="med" len="med"/>
-                      <a:tailEnd type="none" w="med" len="med"/>
-                    </a:lnT>
-                    <a:lnB w="28575" cap="flat" cmpd="sng" algn="ctr">
-                      <a:solidFill>
-                        <a:schemeClr val="tx1"/>
-                      </a:solidFill>
-                      <a:prstDash val="solid"/>
-                      <a:round/>
-                      <a:headEnd type="none" w="med" len="med"/>
-                      <a:tailEnd type="none" w="med" len="med"/>
-                    </a:lnB>
-                    <a:noFill/>
-                  </a:tcPr>
-                </a:tc>
-                <a:tc>
-                  <a:txBody>
-                    <a:bodyPr/>
-                    <a:lstStyle/>
-                    <a:p>
-                      <a:pPr algn="ctr"/>
-                      <a:r>
-                        <a:rPr lang="en-US" sz="1400" b="0" i="0" dirty="0">
-                          <a:solidFill>
-                            <a:schemeClr val="bg1"/>
-                          </a:solidFill>
-                          <a:latin typeface="+mn-lt"/>
-                        </a:rPr>
-                        <a:t>Q1</a:t>
-                      </a:r>
-                    </a:p>
-                  </a:txBody>
-                  <a:tcPr anchor="ctr">
-                    <a:lnL w="12700" cap="flat" cmpd="sng" algn="ctr">
-                      <a:solidFill>
-                        <a:schemeClr val="tx1"/>
-                      </a:solidFill>
-                      <a:prstDash val="solid"/>
-                      <a:round/>
-                      <a:headEnd type="none" w="med" len="med"/>
-                      <a:tailEnd type="none" w="med" len="med"/>
-                    </a:lnL>
-                    <a:lnR w="12700" cap="flat" cmpd="sng" algn="ctr">
-                      <a:solidFill>
-                        <a:schemeClr val="tx1"/>
-                      </a:solidFill>
-                      <a:prstDash val="solid"/>
-                      <a:round/>
-                      <a:headEnd type="none" w="med" len="med"/>
-                      <a:tailEnd type="none" w="med" len="med"/>
-                    </a:lnR>
-                    <a:lnT w="12700" cap="flat" cmpd="sng" algn="ctr">
-                      <a:solidFill>
-                        <a:schemeClr val="tx1"/>
-                      </a:solidFill>
-                      <a:prstDash val="solid"/>
-                      <a:round/>
-                      <a:headEnd type="none" w="med" len="med"/>
-                      <a:tailEnd type="none" w="med" len="med"/>
-                    </a:lnT>
-                    <a:lnB w="28575" cap="flat" cmpd="sng" algn="ctr">
-                      <a:solidFill>
-                        <a:schemeClr val="tx1"/>
-                      </a:solidFill>
-                      <a:prstDash val="solid"/>
-                      <a:round/>
-                      <a:headEnd type="none" w="med" len="med"/>
-                      <a:tailEnd type="none" w="med" len="med"/>
-                    </a:lnB>
-                    <a:noFill/>
-                  </a:tcPr>
-                </a:tc>
-                <a:tc>
-                  <a:txBody>
-                    <a:bodyPr/>
-                    <a:lstStyle/>
-                    <a:p>
-                      <a:pPr algn="ctr"/>
-                      <a:r>
-                        <a:rPr lang="en-US" sz="1400" b="0" i="0" dirty="0">
-                          <a:solidFill>
-                            <a:schemeClr val="bg1"/>
-                          </a:solidFill>
-                          <a:latin typeface="+mn-lt"/>
-                        </a:rPr>
-                        <a:t>Q2</a:t>
-                      </a:r>
-                    </a:p>
-                  </a:txBody>
-                  <a:tcPr anchor="ctr">
-                    <a:lnL w="12700" cap="flat" cmpd="sng" algn="ctr">
-                      <a:solidFill>
-                        <a:schemeClr val="tx1"/>
-                      </a:solidFill>
-                      <a:prstDash val="solid"/>
-                      <a:round/>
-                      <a:headEnd type="none" w="med" len="med"/>
-                      <a:tailEnd type="none" w="med" len="med"/>
-                    </a:lnL>
-                    <a:lnR w="12700" cap="flat" cmpd="sng" algn="ctr">
-                      <a:solidFill>
-                        <a:schemeClr val="tx1"/>
-                      </a:solidFill>
-                      <a:prstDash val="solid"/>
-                      <a:round/>
-                      <a:headEnd type="none" w="med" len="med"/>
-                      <a:tailEnd type="none" w="med" len="med"/>
-                    </a:lnR>
-                    <a:lnT w="12700" cap="flat" cmpd="sng" algn="ctr">
-                      <a:solidFill>
-                        <a:schemeClr val="tx1"/>
-                      </a:solidFill>
-                      <a:prstDash val="solid"/>
-                      <a:round/>
-                      <a:headEnd type="none" w="med" len="med"/>
-                      <a:tailEnd type="none" w="med" len="med"/>
-                    </a:lnT>
-                    <a:lnB w="28575" cap="flat" cmpd="sng" algn="ctr">
-                      <a:solidFill>
-                        <a:schemeClr val="tx1"/>
-                      </a:solidFill>
-                      <a:prstDash val="solid"/>
-                      <a:round/>
-                      <a:headEnd type="none" w="med" len="med"/>
-                      <a:tailEnd type="none" w="med" len="med"/>
-                    </a:lnB>
-                    <a:noFill/>
-                  </a:tcPr>
-                </a:tc>
-                <a:tc>
-                  <a:txBody>
-                    <a:bodyPr/>
-                    <a:lstStyle/>
-                    <a:p>
-                      <a:pPr algn="ctr"/>
-                      <a:r>
-                        <a:rPr lang="en-US" sz="1400" b="0" i="0" dirty="0">
-                          <a:solidFill>
-                            <a:schemeClr val="bg1"/>
-                          </a:solidFill>
-                          <a:latin typeface="+mn-lt"/>
-                        </a:rPr>
-                        <a:t>Q3</a:t>
-                      </a:r>
-                    </a:p>
-                  </a:txBody>
-                  <a:tcPr anchor="ctr">
-                    <a:lnL w="12700" cap="flat" cmpd="sng" algn="ctr">
-                      <a:solidFill>
-                        <a:schemeClr val="tx1"/>
-                      </a:solidFill>
-                      <a:prstDash val="solid"/>
-                      <a:round/>
-                      <a:headEnd type="none" w="med" len="med"/>
-                      <a:tailEnd type="none" w="med" len="med"/>
-                    </a:lnL>
-                    <a:lnR w="12700" cap="flat" cmpd="sng" algn="ctr">
-                      <a:solidFill>
-                        <a:schemeClr val="tx1"/>
-                      </a:solidFill>
-                      <a:prstDash val="solid"/>
-                      <a:round/>
-                      <a:headEnd type="none" w="med" len="med"/>
-                      <a:tailEnd type="none" w="med" len="med"/>
-                    </a:lnR>
-                    <a:lnT w="12700" cap="flat" cmpd="sng" algn="ctr">
-                      <a:solidFill>
-                        <a:schemeClr val="tx1"/>
-                      </a:solidFill>
-                      <a:prstDash val="solid"/>
-                      <a:round/>
-                      <a:headEnd type="none" w="med" len="med"/>
-                      <a:tailEnd type="none" w="med" len="med"/>
-                    </a:lnT>
-                    <a:lnB w="28575" cap="flat" cmpd="sng" algn="ctr">
-                      <a:solidFill>
-                        <a:schemeClr val="tx1"/>
-                      </a:solidFill>
-                      <a:prstDash val="solid"/>
-                      <a:round/>
-                      <a:headEnd type="none" w="med" len="med"/>
-                      <a:tailEnd type="none" w="med" len="med"/>
-                    </a:lnB>
-                    <a:noFill/>
-                  </a:tcPr>
-                </a:tc>
-                <a:tc>
-                  <a:txBody>
-                    <a:bodyPr/>
-                    <a:lstStyle/>
-                    <a:p>
-                      <a:pPr algn="ctr"/>
-                      <a:r>
-                        <a:rPr lang="en-US" sz="1400" b="0" i="0" dirty="0">
-                          <a:solidFill>
-                            <a:schemeClr val="bg1"/>
-                          </a:solidFill>
-                          <a:latin typeface="+mn-lt"/>
-                        </a:rPr>
-                        <a:t>Q4</a:t>
-                      </a:r>
-                    </a:p>
-                  </a:txBody>
-                  <a:tcPr anchor="ctr">
-                    <a:lnL w="12700" cap="flat" cmpd="sng" algn="ctr">
-                      <a:solidFill>
-                        <a:schemeClr val="tx1"/>
-                      </a:solidFill>
-                      <a:prstDash val="solid"/>
-                      <a:round/>
-                      <a:headEnd type="none" w="med" len="med"/>
-                      <a:tailEnd type="none" w="med" len="med"/>
-                    </a:lnL>
-                    <a:lnR w="12700" cap="flat" cmpd="sng" algn="ctr">
-                      <a:solidFill>
-                        <a:schemeClr val="tx1"/>
-                      </a:solidFill>
-                      <a:prstDash val="solid"/>
-                      <a:round/>
-                      <a:headEnd type="none" w="med" len="med"/>
-                      <a:tailEnd type="none" w="med" len="med"/>
-                    </a:lnR>
-                    <a:lnT w="12700" cap="flat" cmpd="sng" algn="ctr">
-                      <a:solidFill>
-                        <a:schemeClr val="tx1"/>
-                      </a:solidFill>
-                      <a:prstDash val="solid"/>
-                      <a:round/>
-                      <a:headEnd type="none" w="med" len="med"/>
-                      <a:tailEnd type="none" w="med" len="med"/>
-                    </a:lnT>
-                    <a:lnB w="28575" cap="flat" cmpd="sng" algn="ctr">
-                      <a:solidFill>
-                        <a:schemeClr val="tx1"/>
-                      </a:solidFill>
-                      <a:prstDash val="solid"/>
-                      <a:round/>
-                      <a:headEnd type="none" w="med" len="med"/>
-                      <a:tailEnd type="none" w="med" len="med"/>
-                    </a:lnB>
-                    <a:noFill/>
-                  </a:tcPr>
-                </a:tc>
-                <a:extLst>
-                  <a:ext uri="{0D108BD9-81ED-4DB2-BD59-A6C34878D82A}">
-                    <a16:rowId xmlns:a16="http://schemas.microsoft.com/office/drawing/2014/main" val="479928716"/>
-                  </a:ext>
-                </a:extLst>
-              </a:tr>
-              <a:tr h="592089">
-                <a:tc>
-                  <a:txBody>
-                    <a:bodyPr/>
-                    <a:lstStyle/>
-                    <a:p>
-                      <a:pPr algn="ctr"/>
-                      <a:r>
-                        <a:rPr lang="en-US" sz="1400" b="0" i="0" dirty="0">
-                          <a:solidFill>
-                            <a:schemeClr val="bg1"/>
-                          </a:solidFill>
-                          <a:latin typeface="+mn-lt"/>
-                        </a:rPr>
-                        <a:t>Series 1</a:t>
-                      </a:r>
-                    </a:p>
-                  </a:txBody>
-                  <a:tcPr anchor="ctr">
-                    <a:lnL w="28575" cap="flat" cmpd="sng" algn="ctr">
-                      <a:solidFill>
-                        <a:schemeClr val="tx1"/>
-                      </a:solidFill>
-                      <a:prstDash val="solid"/>
-                      <a:round/>
-                      <a:headEnd type="none" w="med" len="med"/>
-                      <a:tailEnd type="none" w="med" len="med"/>
-                    </a:lnL>
-                    <a:lnR w="28575" cap="flat" cmpd="sng" algn="ctr">
-                      <a:solidFill>
-                        <a:schemeClr val="tx1"/>
-                      </a:solidFill>
-                      <a:prstDash val="solid"/>
-                      <a:round/>
-                      <a:headEnd type="none" w="med" len="med"/>
-                      <a:tailEnd type="none" w="med" len="med"/>
-                    </a:lnR>
-                    <a:lnT w="28575" cap="flat" cmpd="sng" algn="ctr">
-                      <a:solidFill>
-                        <a:schemeClr val="tx1"/>
-                      </a:solidFill>
-                      <a:prstDash val="solid"/>
-                      <a:round/>
-                      <a:headEnd type="none" w="med" len="med"/>
-                      <a:tailEnd type="none" w="med" len="med"/>
-                    </a:lnT>
-                    <a:lnB w="28575" cap="flat" cmpd="sng" algn="ctr">
-                      <a:solidFill>
-                        <a:schemeClr val="tx1"/>
-                      </a:solidFill>
-                      <a:prstDash val="solid"/>
-                      <a:round/>
-                      <a:headEnd type="none" w="med" len="med"/>
-                      <a:tailEnd type="none" w="med" len="med"/>
-                    </a:lnB>
-                    <a:lnTlToBr w="12700" cmpd="sng">
-                      <a:noFill/>
-                      <a:prstDash val="solid"/>
-                    </a:lnTlToBr>
-                    <a:lnBlToTr w="12700" cmpd="sng">
-                      <a:noFill/>
-                      <a:prstDash val="solid"/>
-                    </a:lnBlToTr>
-                    <a:noFill/>
-                  </a:tcPr>
-                </a:tc>
-                <a:tc>
-                  <a:txBody>
-                    <a:bodyPr/>
-                    <a:lstStyle/>
-                    <a:p>
-                      <a:pPr algn="ctr"/>
-                      <a:r>
-                        <a:rPr lang="en-US" sz="1400" dirty="0">
-                          <a:solidFill>
-                            <a:schemeClr val="bg1"/>
-                          </a:solidFill>
-                          <a:latin typeface="+mn-lt"/>
-                        </a:rPr>
-                        <a:t>4.3</a:t>
-                      </a:r>
-                    </a:p>
-                  </a:txBody>
-                  <a:tcPr anchor="ctr">
-                    <a:lnL w="28575" cap="flat" cmpd="sng" algn="ctr">
-                      <a:solidFill>
-                        <a:schemeClr val="tx1"/>
-                      </a:solidFill>
-                      <a:prstDash val="solid"/>
-                      <a:round/>
-                      <a:headEnd type="none" w="med" len="med"/>
-                      <a:tailEnd type="none" w="med" len="med"/>
-                    </a:lnL>
-                    <a:lnR w="38100" cap="flat" cmpd="sng" algn="ctr">
-                      <a:solidFill>
-                        <a:schemeClr val="tx1"/>
-                      </a:solidFill>
-                      <a:prstDash val="solid"/>
-                      <a:round/>
-                      <a:headEnd type="none" w="med" len="med"/>
-                      <a:tailEnd type="none" w="med" len="med"/>
-                    </a:lnR>
-                    <a:lnT w="28575" cap="flat" cmpd="sng" algn="ctr">
-                      <a:solidFill>
-                        <a:schemeClr val="tx1"/>
-                      </a:solidFill>
-                      <a:prstDash val="solid"/>
-                      <a:round/>
-                      <a:headEnd type="none" w="med" len="med"/>
-                      <a:tailEnd type="none" w="med" len="med"/>
-                    </a:lnT>
-                    <a:lnB w="38100" cap="flat" cmpd="sng" algn="ctr">
-                      <a:solidFill>
-                        <a:schemeClr val="tx1"/>
-                      </a:solidFill>
-                      <a:prstDash val="solid"/>
-                      <a:round/>
-                      <a:headEnd type="none" w="med" len="med"/>
-                      <a:tailEnd type="none" w="med" len="med"/>
-                    </a:lnB>
-                    <a:lnTlToBr w="12700" cmpd="sng">
-                      <a:noFill/>
-                      <a:prstDash val="solid"/>
-                    </a:lnTlToBr>
-                    <a:lnBlToTr w="12700" cmpd="sng">
-                      <a:noFill/>
-                      <a:prstDash val="solid"/>
-                    </a:lnBlToTr>
-                    <a:solidFill>
-                      <a:schemeClr val="accent6"/>
-                    </a:solidFill>
-                  </a:tcPr>
-                </a:tc>
-                <a:tc>
-                  <a:txBody>
-                    <a:bodyPr/>
-                    <a:lstStyle/>
-                    <a:p>
-                      <a:pPr algn="ctr"/>
-                      <a:r>
-                        <a:rPr lang="en-US" sz="1400" dirty="0">
-                          <a:latin typeface="+mn-lt"/>
-                        </a:rPr>
-                        <a:t>2.5</a:t>
-                      </a:r>
-                    </a:p>
-                  </a:txBody>
-                  <a:tcPr anchor="ctr">
-                    <a:lnL w="38100" cap="flat" cmpd="sng" algn="ctr">
-                      <a:solidFill>
-                        <a:schemeClr val="tx1"/>
-                      </a:solidFill>
-                      <a:prstDash val="solid"/>
-                      <a:round/>
-                      <a:headEnd type="none" w="med" len="med"/>
-                      <a:tailEnd type="none" w="med" len="med"/>
-                    </a:lnL>
-                    <a:lnR w="38100" cap="flat" cmpd="sng" algn="ctr">
-                      <a:solidFill>
-                        <a:schemeClr val="tx1"/>
-                      </a:solidFill>
-                      <a:prstDash val="solid"/>
-                      <a:round/>
-                      <a:headEnd type="none" w="med" len="med"/>
-                      <a:tailEnd type="none" w="med" len="med"/>
-                    </a:lnR>
-                    <a:lnT w="28575" cap="flat" cmpd="sng" algn="ctr">
-                      <a:solidFill>
-                        <a:schemeClr val="tx1"/>
-                      </a:solidFill>
-                      <a:prstDash val="solid"/>
-                      <a:round/>
-                      <a:headEnd type="none" w="med" len="med"/>
-                      <a:tailEnd type="none" w="med" len="med"/>
-                    </a:lnT>
-                    <a:lnB w="38100" cap="flat" cmpd="sng" algn="ctr">
-                      <a:solidFill>
-                        <a:schemeClr val="tx1"/>
-                      </a:solidFill>
-                      <a:prstDash val="solid"/>
-                      <a:round/>
-                      <a:headEnd type="none" w="med" len="med"/>
-                      <a:tailEnd type="none" w="med" len="med"/>
-                    </a:lnB>
-                    <a:lnTlToBr w="12700" cmpd="sng">
-                      <a:noFill/>
-                      <a:prstDash val="solid"/>
-                    </a:lnTlToBr>
-                    <a:lnBlToTr w="12700" cmpd="sng">
-                      <a:noFill/>
-                      <a:prstDash val="solid"/>
-                    </a:lnBlToTr>
-                    <a:solidFill>
-                      <a:schemeClr val="accent6"/>
-                    </a:solidFill>
-                  </a:tcPr>
-                </a:tc>
-                <a:tc>
-                  <a:txBody>
-                    <a:bodyPr/>
-                    <a:lstStyle/>
-                    <a:p>
-                      <a:pPr algn="ctr"/>
-                      <a:r>
-                        <a:rPr lang="en-US" sz="1400" dirty="0">
-                          <a:latin typeface="+mn-lt"/>
-                        </a:rPr>
-                        <a:t>3.5</a:t>
-                      </a:r>
-                    </a:p>
-                  </a:txBody>
-                  <a:tcPr anchor="ctr">
-                    <a:lnL w="38100" cap="flat" cmpd="sng" algn="ctr">
-                      <a:solidFill>
-                        <a:schemeClr val="tx1"/>
-                      </a:solidFill>
-                      <a:prstDash val="solid"/>
-                      <a:round/>
-                      <a:headEnd type="none" w="med" len="med"/>
-                      <a:tailEnd type="none" w="med" len="med"/>
-                    </a:lnL>
-                    <a:lnR w="38100" cap="flat" cmpd="sng" algn="ctr">
-                      <a:solidFill>
-                        <a:schemeClr val="tx1"/>
-                      </a:solidFill>
-                      <a:prstDash val="solid"/>
-                      <a:round/>
-                      <a:headEnd type="none" w="med" len="med"/>
-                      <a:tailEnd type="none" w="med" len="med"/>
-                    </a:lnR>
-                    <a:lnT w="28575" cap="flat" cmpd="sng" algn="ctr">
-                      <a:solidFill>
-                        <a:schemeClr val="tx1"/>
-                      </a:solidFill>
-                      <a:prstDash val="solid"/>
-                      <a:round/>
-                      <a:headEnd type="none" w="med" len="med"/>
-                      <a:tailEnd type="none" w="med" len="med"/>
-                    </a:lnT>
-                    <a:lnB w="38100" cap="flat" cmpd="sng" algn="ctr">
-                      <a:solidFill>
-                        <a:schemeClr val="tx1"/>
-                      </a:solidFill>
-                      <a:prstDash val="solid"/>
-                      <a:round/>
-                      <a:headEnd type="none" w="med" len="med"/>
-                      <a:tailEnd type="none" w="med" len="med"/>
-                    </a:lnB>
-                    <a:lnTlToBr w="12700" cmpd="sng">
-                      <a:noFill/>
-                      <a:prstDash val="solid"/>
-                    </a:lnTlToBr>
-                    <a:lnBlToTr w="12700" cmpd="sng">
-                      <a:noFill/>
-                      <a:prstDash val="solid"/>
-                    </a:lnBlToTr>
-                    <a:solidFill>
-                      <a:schemeClr val="accent6"/>
-                    </a:solidFill>
-                  </a:tcPr>
-                </a:tc>
-                <a:tc>
-                  <a:txBody>
-                    <a:bodyPr/>
-                    <a:lstStyle/>
-                    <a:p>
-                      <a:pPr algn="ctr"/>
-                      <a:r>
-                        <a:rPr lang="en-US" sz="1400" dirty="0">
-                          <a:latin typeface="+mn-lt"/>
-                        </a:rPr>
-                        <a:t>4.5</a:t>
-                      </a:r>
-                    </a:p>
-                  </a:txBody>
-                  <a:tcPr anchor="ctr">
-                    <a:lnL w="38100" cap="flat" cmpd="sng" algn="ctr">
-                      <a:solidFill>
-                        <a:schemeClr val="tx1"/>
-                      </a:solidFill>
-                      <a:prstDash val="solid"/>
-                      <a:round/>
-                      <a:headEnd type="none" w="med" len="med"/>
-                      <a:tailEnd type="none" w="med" len="med"/>
-                    </a:lnL>
-                    <a:lnR w="28575" cap="flat" cmpd="sng" algn="ctr">
-                      <a:solidFill>
-                        <a:schemeClr val="tx1"/>
-                      </a:solidFill>
-                      <a:prstDash val="solid"/>
-                      <a:round/>
-                      <a:headEnd type="none" w="med" len="med"/>
-                      <a:tailEnd type="none" w="med" len="med"/>
-                    </a:lnR>
-                    <a:lnT w="28575" cap="flat" cmpd="sng" algn="ctr">
-                      <a:solidFill>
-                        <a:schemeClr val="tx1"/>
-                      </a:solidFill>
-                      <a:prstDash val="solid"/>
-                      <a:round/>
-                      <a:headEnd type="none" w="med" len="med"/>
-                      <a:tailEnd type="none" w="med" len="med"/>
-                    </a:lnT>
-                    <a:lnB w="38100" cap="flat" cmpd="sng" algn="ctr">
-                      <a:solidFill>
-                        <a:schemeClr val="tx1"/>
-                      </a:solidFill>
-                      <a:prstDash val="solid"/>
-                      <a:round/>
-                      <a:headEnd type="none" w="med" len="med"/>
-                      <a:tailEnd type="none" w="med" len="med"/>
-                    </a:lnB>
-                    <a:lnTlToBr w="12700" cmpd="sng">
-                      <a:noFill/>
-                      <a:prstDash val="solid"/>
-                    </a:lnTlToBr>
-                    <a:lnBlToTr w="12700" cmpd="sng">
-                      <a:noFill/>
-                      <a:prstDash val="solid"/>
-                    </a:lnBlToTr>
-                    <a:solidFill>
-                      <a:schemeClr val="accent6"/>
-                    </a:solidFill>
-                  </a:tcPr>
-                </a:tc>
-                <a:extLst>
-                  <a:ext uri="{0D108BD9-81ED-4DB2-BD59-A6C34878D82A}">
-                    <a16:rowId xmlns:a16="http://schemas.microsoft.com/office/drawing/2014/main" val="1760208656"/>
-                  </a:ext>
-                </a:extLst>
-              </a:tr>
-              <a:tr h="592089">
-                <a:tc>
-                  <a:txBody>
-                    <a:bodyPr/>
-                    <a:lstStyle/>
-                    <a:p>
-                      <a:pPr algn="ctr"/>
-                      <a:r>
-                        <a:rPr lang="en-US" sz="1400" b="0" i="0" dirty="0">
-                          <a:solidFill>
-                            <a:schemeClr val="bg1"/>
-                          </a:solidFill>
-                          <a:latin typeface="+mn-lt"/>
-                        </a:rPr>
-                        <a:t>Series 2</a:t>
-                      </a:r>
-                    </a:p>
-                  </a:txBody>
-                  <a:tcPr anchor="ctr">
-                    <a:lnL w="28575" cap="flat" cmpd="sng" algn="ctr">
-                      <a:solidFill>
-                        <a:schemeClr val="tx1"/>
-                      </a:solidFill>
-                      <a:prstDash val="solid"/>
-                      <a:round/>
-                      <a:headEnd type="none" w="med" len="med"/>
-                      <a:tailEnd type="none" w="med" len="med"/>
-                    </a:lnL>
-                    <a:lnR w="28575" cap="flat" cmpd="sng" algn="ctr">
-                      <a:solidFill>
-                        <a:schemeClr val="tx1"/>
-                      </a:solidFill>
-                      <a:prstDash val="solid"/>
-                      <a:round/>
-                      <a:headEnd type="none" w="med" len="med"/>
-                      <a:tailEnd type="none" w="med" len="med"/>
-                    </a:lnR>
-                    <a:lnT w="28575" cap="flat" cmpd="sng" algn="ctr">
-                      <a:solidFill>
-                        <a:schemeClr val="tx1"/>
-                      </a:solidFill>
-                      <a:prstDash val="solid"/>
-                      <a:round/>
-                      <a:headEnd type="none" w="med" len="med"/>
-                      <a:tailEnd type="none" w="med" len="med"/>
-                    </a:lnT>
-                    <a:lnB w="28575" cap="flat" cmpd="sng" algn="ctr">
-                      <a:solidFill>
-                        <a:schemeClr val="tx1"/>
-                      </a:solidFill>
-                      <a:prstDash val="solid"/>
-                      <a:round/>
-                      <a:headEnd type="none" w="med" len="med"/>
-                      <a:tailEnd type="none" w="med" len="med"/>
-                    </a:lnB>
-                    <a:lnTlToBr w="12700" cmpd="sng">
-                      <a:noFill/>
-                      <a:prstDash val="solid"/>
-                    </a:lnTlToBr>
-                    <a:lnBlToTr w="12700" cmpd="sng">
-                      <a:noFill/>
-                      <a:prstDash val="solid"/>
-                    </a:lnBlToTr>
-                    <a:noFill/>
-                  </a:tcPr>
-                </a:tc>
-                <a:tc>
-                  <a:txBody>
-                    <a:bodyPr/>
-                    <a:lstStyle/>
-                    <a:p>
-                      <a:pPr algn="ctr"/>
-                      <a:r>
-                        <a:rPr lang="en-US" sz="1400" dirty="0">
-                          <a:solidFill>
-                            <a:schemeClr val="bg1"/>
-                          </a:solidFill>
-                          <a:latin typeface="+mn-lt"/>
-                        </a:rPr>
-                        <a:t>2.4</a:t>
-                      </a:r>
-                    </a:p>
-                  </a:txBody>
-                  <a:tcPr anchor="ctr">
-                    <a:lnL w="28575" cap="flat" cmpd="sng" algn="ctr">
-                      <a:solidFill>
-                        <a:schemeClr val="tx1"/>
-                      </a:solidFill>
-                      <a:prstDash val="solid"/>
-                      <a:round/>
-                      <a:headEnd type="none" w="med" len="med"/>
-                      <a:tailEnd type="none" w="med" len="med"/>
-                    </a:lnL>
-                    <a:lnR w="38100" cap="flat" cmpd="sng" algn="ctr">
-                      <a:solidFill>
-                        <a:schemeClr val="tx1"/>
-                      </a:solidFill>
-                      <a:prstDash val="solid"/>
-                      <a:round/>
-                      <a:headEnd type="none" w="med" len="med"/>
-                      <a:tailEnd type="none" w="med" len="med"/>
-                    </a:lnR>
-                    <a:lnT w="38100" cap="flat" cmpd="sng" algn="ctr">
-                      <a:solidFill>
-                        <a:schemeClr val="tx1"/>
-                      </a:solidFill>
-                      <a:prstDash val="solid"/>
-                      <a:round/>
-                      <a:headEnd type="none" w="med" len="med"/>
-                      <a:tailEnd type="none" w="med" len="med"/>
-                    </a:lnT>
-                    <a:lnB w="38100" cap="flat" cmpd="sng" algn="ctr">
-                      <a:solidFill>
-                        <a:schemeClr val="tx1"/>
-                      </a:solidFill>
-                      <a:prstDash val="solid"/>
-                      <a:round/>
-                      <a:headEnd type="none" w="med" len="med"/>
-                      <a:tailEnd type="none" w="med" len="med"/>
-                    </a:lnB>
-                    <a:lnTlToBr w="12700" cmpd="sng">
-                      <a:noFill/>
-                      <a:prstDash val="solid"/>
-                    </a:lnTlToBr>
-                    <a:lnBlToTr w="12700" cmpd="sng">
-                      <a:noFill/>
-                      <a:prstDash val="solid"/>
-                    </a:lnBlToTr>
-                    <a:solidFill>
-                      <a:schemeClr val="tx2"/>
-                    </a:solidFill>
-                  </a:tcPr>
-                </a:tc>
-                <a:tc>
-                  <a:txBody>
-                    <a:bodyPr/>
-                    <a:lstStyle/>
-                    <a:p>
-                      <a:pPr algn="ctr"/>
-                      <a:r>
-                        <a:rPr lang="en-US" sz="1400" dirty="0">
-                          <a:latin typeface="+mn-lt"/>
-                        </a:rPr>
-                        <a:t>4.4</a:t>
-                      </a:r>
-                    </a:p>
-                  </a:txBody>
-                  <a:tcPr anchor="ctr">
-                    <a:lnL w="38100" cap="flat" cmpd="sng" algn="ctr">
-                      <a:solidFill>
-                        <a:schemeClr val="tx1"/>
-                      </a:solidFill>
-                      <a:prstDash val="solid"/>
-                      <a:round/>
-                      <a:headEnd type="none" w="med" len="med"/>
-                      <a:tailEnd type="none" w="med" len="med"/>
-                    </a:lnL>
-                    <a:lnR w="38100" cap="flat" cmpd="sng" algn="ctr">
-                      <a:solidFill>
-                        <a:schemeClr val="tx1"/>
-                      </a:solidFill>
-                      <a:prstDash val="solid"/>
-                      <a:round/>
-                      <a:headEnd type="none" w="med" len="med"/>
-                      <a:tailEnd type="none" w="med" len="med"/>
-                    </a:lnR>
-                    <a:lnT w="38100" cap="flat" cmpd="sng" algn="ctr">
-                      <a:solidFill>
-                        <a:schemeClr val="tx1"/>
-                      </a:solidFill>
-                      <a:prstDash val="solid"/>
-                      <a:round/>
-                      <a:headEnd type="none" w="med" len="med"/>
-                      <a:tailEnd type="none" w="med" len="med"/>
-                    </a:lnT>
-                    <a:lnB w="38100" cap="flat" cmpd="sng" algn="ctr">
-                      <a:solidFill>
-                        <a:schemeClr val="tx1"/>
-                      </a:solidFill>
-                      <a:prstDash val="solid"/>
-                      <a:round/>
-                      <a:headEnd type="none" w="med" len="med"/>
-                      <a:tailEnd type="none" w="med" len="med"/>
-                    </a:lnB>
-                    <a:lnTlToBr w="12700" cmpd="sng">
-                      <a:noFill/>
-                      <a:prstDash val="solid"/>
-                    </a:lnTlToBr>
-                    <a:lnBlToTr w="12700" cmpd="sng">
-                      <a:noFill/>
-                      <a:prstDash val="solid"/>
-                    </a:lnBlToTr>
-                    <a:solidFill>
-                      <a:schemeClr val="tx2"/>
-                    </a:solidFill>
-                  </a:tcPr>
-                </a:tc>
-                <a:tc>
-                  <a:txBody>
-                    <a:bodyPr/>
-                    <a:lstStyle/>
-                    <a:p>
-                      <a:pPr algn="ctr"/>
-                      <a:r>
-                        <a:rPr lang="en-US" sz="1400" dirty="0">
-                          <a:latin typeface="+mn-lt"/>
-                        </a:rPr>
-                        <a:t>1.8</a:t>
-                      </a:r>
-                    </a:p>
-                  </a:txBody>
-                  <a:tcPr anchor="ctr">
-                    <a:lnL w="38100" cap="flat" cmpd="sng" algn="ctr">
-                      <a:solidFill>
-                        <a:schemeClr val="tx1"/>
-                      </a:solidFill>
-                      <a:prstDash val="solid"/>
-                      <a:round/>
-                      <a:headEnd type="none" w="med" len="med"/>
-                      <a:tailEnd type="none" w="med" len="med"/>
-                    </a:lnL>
-                    <a:lnR w="38100" cap="flat" cmpd="sng" algn="ctr">
-                      <a:solidFill>
-                        <a:schemeClr val="tx1"/>
-                      </a:solidFill>
-                      <a:prstDash val="solid"/>
-                      <a:round/>
-                      <a:headEnd type="none" w="med" len="med"/>
-                      <a:tailEnd type="none" w="med" len="med"/>
-                    </a:lnR>
-                    <a:lnT w="38100" cap="flat" cmpd="sng" algn="ctr">
-                      <a:solidFill>
-                        <a:schemeClr val="tx1"/>
-                      </a:solidFill>
-                      <a:prstDash val="solid"/>
-                      <a:round/>
-                      <a:headEnd type="none" w="med" len="med"/>
-                      <a:tailEnd type="none" w="med" len="med"/>
-                    </a:lnT>
-                    <a:lnB w="38100" cap="flat" cmpd="sng" algn="ctr">
-                      <a:solidFill>
-                        <a:schemeClr val="tx1"/>
-                      </a:solidFill>
-                      <a:prstDash val="solid"/>
-                      <a:round/>
-                      <a:headEnd type="none" w="med" len="med"/>
-                      <a:tailEnd type="none" w="med" len="med"/>
-                    </a:lnB>
-                    <a:lnTlToBr w="12700" cmpd="sng">
-                      <a:noFill/>
-                      <a:prstDash val="solid"/>
-                    </a:lnTlToBr>
-                    <a:lnBlToTr w="12700" cmpd="sng">
-                      <a:noFill/>
-                      <a:prstDash val="solid"/>
-                    </a:lnBlToTr>
-                    <a:solidFill>
-                      <a:schemeClr val="tx2"/>
-                    </a:solidFill>
-                  </a:tcPr>
-                </a:tc>
-                <a:tc>
-                  <a:txBody>
-                    <a:bodyPr/>
-                    <a:lstStyle/>
-                    <a:p>
-                      <a:pPr algn="ctr"/>
-                      <a:r>
-                        <a:rPr lang="en-US" sz="1400" dirty="0">
-                          <a:latin typeface="+mn-lt"/>
-                        </a:rPr>
-                        <a:t>2.8</a:t>
-                      </a:r>
-                    </a:p>
-                  </a:txBody>
-                  <a:tcPr anchor="ctr">
-                    <a:lnL w="38100" cap="flat" cmpd="sng" algn="ctr">
-                      <a:solidFill>
-                        <a:schemeClr val="tx1"/>
-                      </a:solidFill>
-                      <a:prstDash val="solid"/>
-                      <a:round/>
-                      <a:headEnd type="none" w="med" len="med"/>
-                      <a:tailEnd type="none" w="med" len="med"/>
-                    </a:lnL>
-                    <a:lnR w="28575" cap="flat" cmpd="sng" algn="ctr">
-                      <a:solidFill>
-                        <a:schemeClr val="tx1"/>
-                      </a:solidFill>
-                      <a:prstDash val="solid"/>
-                      <a:round/>
-                      <a:headEnd type="none" w="med" len="med"/>
-                      <a:tailEnd type="none" w="med" len="med"/>
-                    </a:lnR>
-                    <a:lnT w="38100" cap="flat" cmpd="sng" algn="ctr">
-                      <a:solidFill>
-                        <a:schemeClr val="tx1"/>
-                      </a:solidFill>
-                      <a:prstDash val="solid"/>
-                      <a:round/>
-                      <a:headEnd type="none" w="med" len="med"/>
-                      <a:tailEnd type="none" w="med" len="med"/>
-                    </a:lnT>
-                    <a:lnB w="38100" cap="flat" cmpd="sng" algn="ctr">
-                      <a:solidFill>
-                        <a:schemeClr val="tx1"/>
-                      </a:solidFill>
-                      <a:prstDash val="solid"/>
-                      <a:round/>
-                      <a:headEnd type="none" w="med" len="med"/>
-                      <a:tailEnd type="none" w="med" len="med"/>
-                    </a:lnB>
-                    <a:lnTlToBr w="12700" cmpd="sng">
-                      <a:noFill/>
-                      <a:prstDash val="solid"/>
-                    </a:lnTlToBr>
-                    <a:lnBlToTr w="12700" cmpd="sng">
-                      <a:noFill/>
-                      <a:prstDash val="solid"/>
-                    </a:lnBlToTr>
-                    <a:solidFill>
-                      <a:schemeClr val="tx2"/>
-                    </a:solidFill>
-                  </a:tcPr>
-                </a:tc>
-                <a:extLst>
-                  <a:ext uri="{0D108BD9-81ED-4DB2-BD59-A6C34878D82A}">
-                    <a16:rowId xmlns:a16="http://schemas.microsoft.com/office/drawing/2014/main" val="3634243071"/>
-                  </a:ext>
-                </a:extLst>
-              </a:tr>
-              <a:tr h="592089">
-                <a:tc>
-                  <a:txBody>
-                    <a:bodyPr/>
-                    <a:lstStyle/>
-                    <a:p>
-                      <a:pPr algn="ctr"/>
-                      <a:r>
-                        <a:rPr lang="en-US" sz="1400" b="0" i="0" dirty="0">
-                          <a:solidFill>
-                            <a:schemeClr val="bg1"/>
-                          </a:solidFill>
-                          <a:latin typeface="+mn-lt"/>
-                        </a:rPr>
-                        <a:t>Series 3</a:t>
-                      </a:r>
-                    </a:p>
-                  </a:txBody>
-                  <a:tcPr anchor="ctr">
-                    <a:lnL w="28575" cap="flat" cmpd="sng" algn="ctr">
-                      <a:solidFill>
-                        <a:schemeClr val="tx1"/>
-                      </a:solidFill>
-                      <a:prstDash val="solid"/>
-                      <a:round/>
-                      <a:headEnd type="none" w="med" len="med"/>
-                      <a:tailEnd type="none" w="med" len="med"/>
-                    </a:lnL>
-                    <a:lnR w="28575" cap="flat" cmpd="sng" algn="ctr">
-                      <a:solidFill>
-                        <a:schemeClr val="tx1"/>
-                      </a:solidFill>
-                      <a:prstDash val="solid"/>
-                      <a:round/>
-                      <a:headEnd type="none" w="med" len="med"/>
-                      <a:tailEnd type="none" w="med" len="med"/>
-                    </a:lnR>
-                    <a:lnT w="28575" cap="flat" cmpd="sng" algn="ctr">
-                      <a:solidFill>
-                        <a:schemeClr val="tx1"/>
-                      </a:solidFill>
-                      <a:prstDash val="solid"/>
-                      <a:round/>
-                      <a:headEnd type="none" w="med" len="med"/>
-                      <a:tailEnd type="none" w="med" len="med"/>
-                    </a:lnT>
-                    <a:lnB w="28575" cap="flat" cmpd="sng" algn="ctr">
-                      <a:solidFill>
-                        <a:schemeClr val="tx1"/>
-                      </a:solidFill>
-                      <a:prstDash val="solid"/>
-                      <a:round/>
-                      <a:headEnd type="none" w="med" len="med"/>
-                      <a:tailEnd type="none" w="med" len="med"/>
-                    </a:lnB>
-                    <a:lnTlToBr w="12700" cmpd="sng">
-                      <a:noFill/>
-                      <a:prstDash val="solid"/>
-                    </a:lnTlToBr>
-                    <a:lnBlToTr w="12700" cmpd="sng">
-                      <a:noFill/>
-                      <a:prstDash val="solid"/>
-                    </a:lnBlToTr>
-                    <a:noFill/>
-                  </a:tcPr>
-                </a:tc>
-                <a:tc>
-                  <a:txBody>
-                    <a:bodyPr/>
-                    <a:lstStyle/>
-                    <a:p>
-                      <a:pPr algn="ctr"/>
-                      <a:r>
-                        <a:rPr lang="en-US" sz="1400" dirty="0">
-                          <a:solidFill>
-                            <a:schemeClr val="bg1"/>
-                          </a:solidFill>
-                          <a:latin typeface="+mn-lt"/>
-                        </a:rPr>
-                        <a:t>2</a:t>
-                      </a:r>
-                    </a:p>
-                  </a:txBody>
-                  <a:tcPr anchor="ctr">
-                    <a:lnL w="28575" cap="flat" cmpd="sng" algn="ctr">
-                      <a:solidFill>
-                        <a:schemeClr val="tx1"/>
-                      </a:solidFill>
-                      <a:prstDash val="solid"/>
-                      <a:round/>
-                      <a:headEnd type="none" w="med" len="med"/>
-                      <a:tailEnd type="none" w="med" len="med"/>
-                    </a:lnL>
-                    <a:lnR w="38100" cap="flat" cmpd="sng" algn="ctr">
-                      <a:solidFill>
-                        <a:schemeClr val="tx1"/>
-                      </a:solidFill>
-                      <a:prstDash val="solid"/>
-                      <a:round/>
-                      <a:headEnd type="none" w="med" len="med"/>
-                      <a:tailEnd type="none" w="med" len="med"/>
-                    </a:lnR>
-                    <a:lnT w="38100" cap="flat" cmpd="sng" algn="ctr">
-                      <a:solidFill>
-                        <a:schemeClr val="tx1"/>
-                      </a:solidFill>
-                      <a:prstDash val="solid"/>
-                      <a:round/>
-                      <a:headEnd type="none" w="med" len="med"/>
-                      <a:tailEnd type="none" w="med" len="med"/>
-                    </a:lnT>
-                    <a:lnB w="28575" cap="flat" cmpd="sng" algn="ctr">
-                      <a:solidFill>
-                        <a:schemeClr val="tx1"/>
-                      </a:solidFill>
-                      <a:prstDash val="solid"/>
-                      <a:round/>
-                      <a:headEnd type="none" w="med" len="med"/>
-                      <a:tailEnd type="none" w="med" len="med"/>
-                    </a:lnB>
-                    <a:lnTlToBr w="12700" cmpd="sng">
-                      <a:noFill/>
-                      <a:prstDash val="solid"/>
-                    </a:lnTlToBr>
-                    <a:lnBlToTr w="12700" cmpd="sng">
-                      <a:noFill/>
-                      <a:prstDash val="solid"/>
-                    </a:lnBlToTr>
-                    <a:solidFill>
-                      <a:schemeClr val="accent3"/>
-                    </a:solidFill>
-                  </a:tcPr>
-                </a:tc>
-                <a:tc>
-                  <a:txBody>
-                    <a:bodyPr/>
-                    <a:lstStyle/>
-                    <a:p>
-                      <a:pPr algn="ctr"/>
-                      <a:r>
-                        <a:rPr lang="en-US" sz="1400" dirty="0">
-                          <a:latin typeface="+mn-lt"/>
-                        </a:rPr>
-                        <a:t>2</a:t>
-                      </a:r>
-                    </a:p>
-                  </a:txBody>
-                  <a:tcPr anchor="ctr">
-                    <a:lnL w="38100" cap="flat" cmpd="sng" algn="ctr">
-                      <a:solidFill>
-                        <a:schemeClr val="tx1"/>
-                      </a:solidFill>
-                      <a:prstDash val="solid"/>
-                      <a:round/>
-                      <a:headEnd type="none" w="med" len="med"/>
-                      <a:tailEnd type="none" w="med" len="med"/>
-                    </a:lnL>
-                    <a:lnR w="38100" cap="flat" cmpd="sng" algn="ctr">
-                      <a:solidFill>
-                        <a:schemeClr val="tx1"/>
-                      </a:solidFill>
-                      <a:prstDash val="solid"/>
-                      <a:round/>
-                      <a:headEnd type="none" w="med" len="med"/>
-                      <a:tailEnd type="none" w="med" len="med"/>
-                    </a:lnR>
-                    <a:lnT w="38100" cap="flat" cmpd="sng" algn="ctr">
-                      <a:solidFill>
-                        <a:schemeClr val="tx1"/>
-                      </a:solidFill>
-                      <a:prstDash val="solid"/>
-                      <a:round/>
-                      <a:headEnd type="none" w="med" len="med"/>
-                      <a:tailEnd type="none" w="med" len="med"/>
-                    </a:lnT>
-                    <a:lnB w="28575" cap="flat" cmpd="sng" algn="ctr">
-                      <a:solidFill>
-                        <a:schemeClr val="tx1"/>
-                      </a:solidFill>
-                      <a:prstDash val="solid"/>
-                      <a:round/>
-                      <a:headEnd type="none" w="med" len="med"/>
-                      <a:tailEnd type="none" w="med" len="med"/>
-                    </a:lnB>
-                    <a:lnTlToBr w="12700" cmpd="sng">
-                      <a:noFill/>
-                      <a:prstDash val="solid"/>
-                    </a:lnTlToBr>
-                    <a:lnBlToTr w="12700" cmpd="sng">
-                      <a:noFill/>
-                      <a:prstDash val="solid"/>
-                    </a:lnBlToTr>
-                    <a:solidFill>
-                      <a:schemeClr val="accent3"/>
-                    </a:solidFill>
-                  </a:tcPr>
-                </a:tc>
-                <a:tc>
-                  <a:txBody>
-                    <a:bodyPr/>
-                    <a:lstStyle/>
-                    <a:p>
-                      <a:pPr algn="ctr"/>
-                      <a:r>
-                        <a:rPr lang="en-US" sz="1400" dirty="0">
-                          <a:latin typeface="+mn-lt"/>
-                        </a:rPr>
-                        <a:t>3</a:t>
-                      </a:r>
-                    </a:p>
-                  </a:txBody>
-                  <a:tcPr anchor="ctr">
-                    <a:lnL w="38100" cap="flat" cmpd="sng" algn="ctr">
-                      <a:solidFill>
-                        <a:schemeClr val="tx1"/>
-                      </a:solidFill>
-                      <a:prstDash val="solid"/>
-                      <a:round/>
-                      <a:headEnd type="none" w="med" len="med"/>
-                      <a:tailEnd type="none" w="med" len="med"/>
-                    </a:lnL>
-                    <a:lnR w="38100" cap="flat" cmpd="sng" algn="ctr">
-                      <a:solidFill>
-                        <a:schemeClr val="tx1"/>
-                      </a:solidFill>
-                      <a:prstDash val="solid"/>
-                      <a:round/>
-                      <a:headEnd type="none" w="med" len="med"/>
-                      <a:tailEnd type="none" w="med" len="med"/>
-                    </a:lnR>
-                    <a:lnT w="38100" cap="flat" cmpd="sng" algn="ctr">
-                      <a:solidFill>
-                        <a:schemeClr val="tx1"/>
-                      </a:solidFill>
-                      <a:prstDash val="solid"/>
-                      <a:round/>
-                      <a:headEnd type="none" w="med" len="med"/>
-                      <a:tailEnd type="none" w="med" len="med"/>
-                    </a:lnT>
-                    <a:lnB w="28575" cap="flat" cmpd="sng" algn="ctr">
-                      <a:solidFill>
-                        <a:schemeClr val="tx1"/>
-                      </a:solidFill>
-                      <a:prstDash val="solid"/>
-                      <a:round/>
-                      <a:headEnd type="none" w="med" len="med"/>
-                      <a:tailEnd type="none" w="med" len="med"/>
-                    </a:lnB>
-                    <a:lnTlToBr w="12700" cmpd="sng">
-                      <a:noFill/>
-                      <a:prstDash val="solid"/>
-                    </a:lnTlToBr>
-                    <a:lnBlToTr w="12700" cmpd="sng">
-                      <a:noFill/>
-                      <a:prstDash val="solid"/>
-                    </a:lnBlToTr>
-                    <a:solidFill>
-                      <a:schemeClr val="accent3"/>
-                    </a:solidFill>
-                  </a:tcPr>
-                </a:tc>
-                <a:tc>
-                  <a:txBody>
-                    <a:bodyPr/>
-                    <a:lstStyle/>
-                    <a:p>
-                      <a:pPr algn="ctr"/>
-                      <a:r>
-                        <a:rPr lang="en-US" sz="1400" dirty="0">
-                          <a:latin typeface="+mn-lt"/>
-                        </a:rPr>
-                        <a:t>5</a:t>
-                      </a:r>
-                    </a:p>
-                  </a:txBody>
-                  <a:tcPr anchor="ctr">
-                    <a:lnL w="38100" cap="flat" cmpd="sng" algn="ctr">
-                      <a:solidFill>
-                        <a:schemeClr val="tx1"/>
-                      </a:solidFill>
-                      <a:prstDash val="solid"/>
-                      <a:round/>
-                      <a:headEnd type="none" w="med" len="med"/>
-                      <a:tailEnd type="none" w="med" len="med"/>
-                    </a:lnL>
-                    <a:lnR w="28575" cap="flat" cmpd="sng" algn="ctr">
-                      <a:solidFill>
-                        <a:schemeClr val="tx1"/>
-                      </a:solidFill>
-                      <a:prstDash val="solid"/>
-                      <a:round/>
-                      <a:headEnd type="none" w="med" len="med"/>
-                      <a:tailEnd type="none" w="med" len="med"/>
-                    </a:lnR>
-                    <a:lnT w="38100" cap="flat" cmpd="sng" algn="ctr">
-                      <a:solidFill>
-                        <a:schemeClr val="tx1"/>
-                      </a:solidFill>
-                      <a:prstDash val="solid"/>
-                      <a:round/>
-                      <a:headEnd type="none" w="med" len="med"/>
-                      <a:tailEnd type="none" w="med" len="med"/>
-                    </a:lnT>
-                    <a:lnB w="28575" cap="flat" cmpd="sng" algn="ctr">
-                      <a:solidFill>
-                        <a:schemeClr val="tx1"/>
-                      </a:solidFill>
-                      <a:prstDash val="solid"/>
-                      <a:round/>
-                      <a:headEnd type="none" w="med" len="med"/>
-                      <a:tailEnd type="none" w="med" len="med"/>
-                    </a:lnB>
-                    <a:lnTlToBr w="12700" cmpd="sng">
-                      <a:noFill/>
-                      <a:prstDash val="solid"/>
-                    </a:lnTlToBr>
-                    <a:lnBlToTr w="12700" cmpd="sng">
-                      <a:noFill/>
-                      <a:prstDash val="solid"/>
-                    </a:lnBlToTr>
-                    <a:solidFill>
-                      <a:schemeClr val="accent3"/>
-                    </a:solidFill>
-                  </a:tcPr>
-                </a:tc>
-                <a:extLst>
-                  <a:ext uri="{0D108BD9-81ED-4DB2-BD59-A6C34878D82A}">
-                    <a16:rowId xmlns:a16="http://schemas.microsoft.com/office/drawing/2014/main" val="415808797"/>
-                  </a:ext>
-                </a:extLst>
-              </a:tr>
-            </a:tbl>
-          </a:graphicData>
-        </a:graphic>
-      </p:graphicFrame>
-      <p:sp>
-        <p:nvSpPr>
-          <p:cNvPr id="6" name="Slide Number Placeholder 5">
-            <a:extLst>
-              <a:ext uri="{FF2B5EF4-FFF2-40B4-BE49-F238E27FC236}">
-                <a16:creationId xmlns:a16="http://schemas.microsoft.com/office/drawing/2014/main" id="{7CD59D5C-769B-454A-A6E2-A988BC5DEF34}"/>
-              </a:ext>
-            </a:extLst>
-          </p:cNvPr>
-          <p:cNvSpPr>
-            <a:spLocks noGrp="1"/>
-          </p:cNvSpPr>
-          <p:nvPr>
-            <p:ph type="sldNum" sz="quarter" idx="13"/>
-          </p:nvPr>
-        </p:nvSpPr>
-        <p:spPr>
-          <a:xfrm>
-            <a:off x="971550" y="6332220"/>
-            <a:ext cx="523240" cy="247651"/>
-          </a:xfrm>
-        </p:spPr>
+        <p:spPr/>
         <p:txBody>
           <a:bodyPr/>
           <a:lstStyle/>
           <a:p>
-            <a:fld id="{294A09A9-5501-47C1-A89A-A340965A2BE2}" type="slidenum">
-              <a:rPr lang="en-US" smtClean="0"/>
-              <a:pPr/>
-              <a:t>8</a:t>
-            </a:fld>
-            <a:endParaRPr lang="en-US" dirty="0"/>
+            <a:r>
+              <a:rPr lang="en-US" dirty="0"/>
+              <a:t>Thank you</a:t>
+            </a:r>
           </a:p>
         </p:txBody>
       </p:sp>
-      <p:sp>
-        <p:nvSpPr>
-          <p:cNvPr id="5" name="Footer Placeholder 4">
-            <a:extLst>
-              <a:ext uri="{FF2B5EF4-FFF2-40B4-BE49-F238E27FC236}">
-                <a16:creationId xmlns:a16="http://schemas.microsoft.com/office/drawing/2014/main" id="{BC7F593D-2B92-5A40-84BC-3F3D67FA0C0A}"/>
-              </a:ext>
-            </a:extLst>
-          </p:cNvPr>
-          <p:cNvSpPr>
-            <a:spLocks noGrp="1"/>
-          </p:cNvSpPr>
+      <p:pic>
+        <p:nvPicPr>
+          <p:cNvPr id="13" name="Picture Placeholder 12" descr="Portrait of a team member">
+            <a:extLst>
+              <a:ext uri="{FF2B5EF4-FFF2-40B4-BE49-F238E27FC236}">
+                <a16:creationId xmlns:a16="http://schemas.microsoft.com/office/drawing/2014/main" id="{EC944911-7CDD-41CC-A7F0-5B0CF85D545C}"/>
+              </a:ext>
+              <a:ext uri="{C183D7F6-B498-43B3-948B-1728B52AA6E4}">
+                <adec:decorative xmlns:adec="http://schemas.microsoft.com/office/drawing/2017/decorative" val="0"/>
+              </a:ext>
+            </a:extLst>
+          </p:cNvPr>
+          <p:cNvPicPr>
+            <a:picLocks noGrp="1" noChangeAspect="1"/>
+          </p:cNvPicPr>
           <p:nvPr>
-            <p:ph type="ftr" sz="quarter" idx="12"/>
+            <p:ph type="pic" sz="quarter" idx="13"/>
           </p:nvPr>
-        </p:nvSpPr>
-        <p:spPr>
-          <a:xfrm>
-            <a:off x="1494790" y="6332220"/>
-            <a:ext cx="1497330" cy="247651"/>
-          </a:xfrm>
-        </p:spPr>
-        <p:txBody>
-          <a:bodyPr/>
-          <a:lstStyle/>
-          <a:p>
-            <a:r>
-              <a:rPr lang="en-US" dirty="0"/>
-              <a:t>Annual Review</a:t>
-            </a:r>
-          </a:p>
-        </p:txBody>
-      </p:sp>
-      <p:sp>
-        <p:nvSpPr>
-          <p:cNvPr id="4" name="Date Placeholder 3">
-            <a:extLst>
-              <a:ext uri="{FF2B5EF4-FFF2-40B4-BE49-F238E27FC236}">
-                <a16:creationId xmlns:a16="http://schemas.microsoft.com/office/drawing/2014/main" id="{C151D416-C020-1946-91EA-2A8F166E018F}"/>
-              </a:ext>
-            </a:extLst>
-          </p:cNvPr>
-          <p:cNvSpPr>
-            <a:spLocks noGrp="1"/>
-          </p:cNvSpPr>
-          <p:nvPr>
-            <p:ph type="dt" sz="half" idx="11"/>
-          </p:nvPr>
-        </p:nvSpPr>
-        <p:spPr>
-          <a:xfrm>
-            <a:off x="2992120" y="6332220"/>
-            <a:ext cx="1313180" cy="247651"/>
-          </a:xfrm>
-        </p:spPr>
-        <p:txBody>
-          <a:bodyPr/>
-          <a:lstStyle/>
-          <a:p>
-            <a:fld id="{6FCA8E82-58CD-E045-8B98-B7A85B79B752}" type="datetime4">
-              <a:rPr lang="en-US" smtClean="0"/>
-              <a:pPr/>
-              <a:t>September 28, 2021</a:t>
-            </a:fld>
-            <a:endParaRPr lang="en-US" dirty="0"/>
-          </a:p>
-        </p:txBody>
-      </p:sp>
+        </p:nvPicPr>
+        <p:blipFill>
+          <a:blip r:embed="rId3">
+            <a:extLst>
+              <a:ext uri="{28A0092B-C50C-407E-A947-70E740481C1C}">
+                <a14:useLocalDpi xmlns:a14="http://schemas.microsoft.com/office/drawing/2010/main" val="0"/>
+              </a:ext>
+            </a:extLst>
+          </a:blip>
+          <a:srcRect/>
+          <a:stretch>
+            <a:fillRect/>
+          </a:stretch>
+        </p:blipFill>
+        <p:spPr/>
+      </p:pic>
     </p:spTree>
     <p:extLst>
       <p:ext uri="{BB962C8B-B14F-4D97-AF65-F5344CB8AC3E}">
-        <p14:creationId xmlns:p14="http://schemas.microsoft.com/office/powerpoint/2010/main" val="1556310685"/>
-      </p:ext>
-    </p:extLst>
-  </p:cSld>
-  <p:clrMapOvr>
-    <a:masterClrMapping/>
-  </p:clrMapOvr>
-</p:sld>
-</file>
-
-<file path=ppt/slides/slide9.xml><?xml version="1.0" encoding="utf-8"?>
-<p:sld xmlns:a="http://schemas.openxmlformats.org/drawingml/2006/main" xmlns:r="http://schemas.openxmlformats.org/officeDocument/2006/relationships" xmlns:p="http://schemas.openxmlformats.org/presentationml/2006/main">
-  <p:cSld>
-    <p:spTree>
-      <p:nvGrpSpPr>
-        <p:cNvPr id="1" name=""/>
-        <p:cNvGrpSpPr/>
-        <p:nvPr/>
-      </p:nvGrpSpPr>
-      <p:grpSpPr>
-        <a:xfrm>
-          <a:off x="0" y="0"/>
-          <a:ext cx="0" cy="0"/>
-          <a:chOff x="0" y="0"/>
-          <a:chExt cx="0" cy="0"/>
-        </a:xfrm>
-      </p:grpSpPr>
-      <p:sp>
-        <p:nvSpPr>
-          <p:cNvPr id="2" name="Title 1">
-            <a:extLst>
-              <a:ext uri="{FF2B5EF4-FFF2-40B4-BE49-F238E27FC236}">
-                <a16:creationId xmlns:a16="http://schemas.microsoft.com/office/drawing/2014/main" id="{737728DC-195E-4A4E-AEBA-5E0D1DB03B76}"/>
-              </a:ext>
-            </a:extLst>
-          </p:cNvPr>
-          <p:cNvSpPr>
-            <a:spLocks noGrp="1"/>
-          </p:cNvSpPr>
-          <p:nvPr>
-            <p:ph type="title"/>
-          </p:nvPr>
-        </p:nvSpPr>
-        <p:spPr>
-          <a:xfrm>
-            <a:off x="964022" y="2476500"/>
-            <a:ext cx="7132320" cy="3289971"/>
-          </a:xfrm>
-        </p:spPr>
-        <p:txBody>
-          <a:bodyPr/>
-          <a:lstStyle/>
-          <a:p>
-            <a:r>
-              <a:rPr lang="en-US" dirty="0"/>
-              <a:t>Contoso was great to work with. </a:t>
-            </a:r>
-            <a:br>
-              <a:rPr lang="en-US" dirty="0"/>
-            </a:br>
-            <a:r>
-              <a:rPr lang="en-US" dirty="0"/>
-              <a:t>Patrice was my representative and she anticipated my needs and worked diligently to fix my issue.</a:t>
-            </a:r>
-            <a:br>
-              <a:rPr lang="en-US" dirty="0"/>
-            </a:br>
-            <a:endParaRPr lang="en-US" dirty="0"/>
-          </a:p>
-        </p:txBody>
-      </p:sp>
-    </p:spTree>
-    <p:extLst>
-      <p:ext uri="{BB962C8B-B14F-4D97-AF65-F5344CB8AC3E}">
-        <p14:creationId xmlns:p14="http://schemas.microsoft.com/office/powerpoint/2010/main" val="4206035864"/>
+        <p14:creationId xmlns:p14="http://schemas.microsoft.com/office/powerpoint/2010/main" val="2336677316"/>
       </p:ext>
     </p:extLst>
   </p:cSld>
